--- a/static/template.pptx
+++ b/static/template.pptx
@@ -183,8 +183,7 @@
 <file path=ppt/revisionInfo.xml><?xml version="1.0" encoding="utf-8"?>
 <p1510:revInfo xmlns:a="http://schemas.openxmlformats.org/drawingml/2006/main" xmlns:r="http://schemas.openxmlformats.org/officeDocument/2006/relationships" xmlns:p1510="http://schemas.microsoft.com/office/powerpoint/2015/10/main">
   <p1510:revLst>
-    <p1510:client id="{627235FA-4789-4DBE-B973-AF47620C0873}" v="62" dt="2023-02-15T12:54:43.649"/>
-    <p1510:client id="{6A27BE11-EC49-4316-8BBB-509E4C3BFFB1}" v="8" dt="2023-02-15T08:50:38.607"/>
+    <p1510:client id="{627235FA-4789-4DBE-B973-AF47620C0873}" v="84" dt="2023-02-16T20:33:53.842"/>
   </p1510:revLst>
 </p1510:revInfo>
 </file>
@@ -194,7 +193,7 @@
   <pc:docChgLst>
     <pc:chgData name="Baaij, Timo @ EMEA Industrial and Logistics" userId="c6be1d08-92b0-4773-8bbb-b359de052d48" providerId="ADAL" clId="{627235FA-4789-4DBE-B973-AF47620C0873}"/>
     <pc:docChg chg="undo custSel addSld delSld modSld modMainMaster delSection modSection">
-      <pc:chgData name="Baaij, Timo @ EMEA Industrial and Logistics" userId="c6be1d08-92b0-4773-8bbb-b359de052d48" providerId="ADAL" clId="{627235FA-4789-4DBE-B973-AF47620C0873}" dt="2023-02-15T13:45:53.368" v="169" actId="1076"/>
+      <pc:chgData name="Baaij, Timo @ EMEA Industrial and Logistics" userId="c6be1d08-92b0-4773-8bbb-b359de052d48" providerId="ADAL" clId="{627235FA-4789-4DBE-B973-AF47620C0873}" dt="2023-02-16T20:43:51.797" v="242" actId="20577"/>
       <pc:docMkLst>
         <pc:docMk/>
       </pc:docMkLst>
@@ -203,6 +202,51 @@
         <pc:sldMkLst>
           <pc:docMk/>
           <pc:sldMk cId="1163639533" sldId="256"/>
+        </pc:sldMkLst>
+      </pc:sldChg>
+      <pc:sldChg chg="addSp delSp modSp new del mod">
+        <pc:chgData name="Baaij, Timo @ EMEA Industrial and Logistics" userId="c6be1d08-92b0-4773-8bbb-b359de052d48" providerId="ADAL" clId="{627235FA-4789-4DBE-B973-AF47620C0873}" dt="2023-02-16T20:34:07.842" v="229" actId="47"/>
+        <pc:sldMkLst>
+          <pc:docMk/>
+          <pc:sldMk cId="1880133673" sldId="256"/>
+        </pc:sldMkLst>
+        <pc:spChg chg="del">
+          <ac:chgData name="Baaij, Timo @ EMEA Industrial and Logistics" userId="c6be1d08-92b0-4773-8bbb-b359de052d48" providerId="ADAL" clId="{627235FA-4789-4DBE-B973-AF47620C0873}" dt="2023-02-16T20:33:53.842" v="225" actId="931"/>
+          <ac:spMkLst>
+            <pc:docMk/>
+            <pc:sldMk cId="1880133673" sldId="256"/>
+            <ac:spMk id="24" creationId="{FAC2D9AC-27B4-4E3E-B193-C51155AC13CF}"/>
+          </ac:spMkLst>
+        </pc:spChg>
+        <pc:spChg chg="add mod">
+          <ac:chgData name="Baaij, Timo @ EMEA Industrial and Logistics" userId="c6be1d08-92b0-4773-8bbb-b359de052d48" providerId="ADAL" clId="{627235FA-4789-4DBE-B973-AF47620C0873}" dt="2023-02-16T20:34:04.835" v="228" actId="478"/>
+          <ac:spMkLst>
+            <pc:docMk/>
+            <pc:sldMk cId="1880133673" sldId="256"/>
+            <ac:spMk id="28" creationId="{B8F519BD-45F4-4AF2-8D46-9FC625064884}"/>
+          </ac:spMkLst>
+        </pc:spChg>
+        <pc:picChg chg="add del mod">
+          <ac:chgData name="Baaij, Timo @ EMEA Industrial and Logistics" userId="c6be1d08-92b0-4773-8bbb-b359de052d48" providerId="ADAL" clId="{627235FA-4789-4DBE-B973-AF47620C0873}" dt="2023-02-16T20:34:04.835" v="228" actId="478"/>
+          <ac:picMkLst>
+            <pc:docMk/>
+            <pc:sldMk cId="1880133673" sldId="256"/>
+            <ac:picMk id="26" creationId="{3EB55811-A292-44D4-8348-51411B88B997}"/>
+          </ac:picMkLst>
+        </pc:picChg>
+      </pc:sldChg>
+      <pc:sldChg chg="new del">
+        <pc:chgData name="Baaij, Timo @ EMEA Industrial and Logistics" userId="c6be1d08-92b0-4773-8bbb-b359de052d48" providerId="ADAL" clId="{627235FA-4789-4DBE-B973-AF47620C0873}" dt="2023-02-16T15:55:54.055" v="171" actId="47"/>
+        <pc:sldMkLst>
+          <pc:docMk/>
+          <pc:sldMk cId="2050583660" sldId="256"/>
+        </pc:sldMkLst>
+      </pc:sldChg>
+      <pc:sldChg chg="new del">
+        <pc:chgData name="Baaij, Timo @ EMEA Industrial and Logistics" userId="c6be1d08-92b0-4773-8bbb-b359de052d48" providerId="ADAL" clId="{627235FA-4789-4DBE-B973-AF47620C0873}" dt="2023-02-16T16:18:34.594" v="199" actId="47"/>
+        <pc:sldMkLst>
+          <pc:docMk/>
+          <pc:sldMk cId="2496305747" sldId="256"/>
         </pc:sldMkLst>
       </pc:sldChg>
       <pc:sldChg chg="modSp new del mod">
@@ -251,18 +295,36 @@
         </pc:sldMkLst>
       </pc:sldChg>
       <pc:sldMasterChg chg="modSldLayout">
-        <pc:chgData name="Baaij, Timo @ EMEA Industrial and Logistics" userId="c6be1d08-92b0-4773-8bbb-b359de052d48" providerId="ADAL" clId="{627235FA-4789-4DBE-B973-AF47620C0873}" dt="2023-02-15T13:45:53.368" v="169" actId="1076"/>
+        <pc:chgData name="Baaij, Timo @ EMEA Industrial and Logistics" userId="c6be1d08-92b0-4773-8bbb-b359de052d48" providerId="ADAL" clId="{627235FA-4789-4DBE-B973-AF47620C0873}" dt="2023-02-16T20:43:51.797" v="242" actId="20577"/>
         <pc:sldMasterMkLst>
           <pc:docMk/>
           <pc:sldMasterMk cId="1410729206" sldId="2147484549"/>
         </pc:sldMasterMkLst>
         <pc:sldLayoutChg chg="addSp delSp modSp mod">
-          <pc:chgData name="Baaij, Timo @ EMEA Industrial and Logistics" userId="c6be1d08-92b0-4773-8bbb-b359de052d48" providerId="ADAL" clId="{627235FA-4789-4DBE-B973-AF47620C0873}" dt="2023-02-15T13:45:53.368" v="169" actId="1076"/>
+          <pc:chgData name="Baaij, Timo @ EMEA Industrial and Logistics" userId="c6be1d08-92b0-4773-8bbb-b359de052d48" providerId="ADAL" clId="{627235FA-4789-4DBE-B973-AF47620C0873}" dt="2023-02-16T20:43:51.797" v="242" actId="20577"/>
           <pc:sldLayoutMkLst>
             <pc:docMk/>
             <pc:sldMasterMk cId="1410729206" sldId="2147484549"/>
             <pc:sldLayoutMk cId="1335358555" sldId="2147484568"/>
           </pc:sldLayoutMkLst>
+          <pc:spChg chg="add del">
+            <ac:chgData name="Baaij, Timo @ EMEA Industrial and Logistics" userId="c6be1d08-92b0-4773-8bbb-b359de052d48" providerId="ADAL" clId="{627235FA-4789-4DBE-B973-AF47620C0873}" dt="2023-02-16T17:36:12.937" v="218" actId="11529"/>
+            <ac:spMkLst>
+              <pc:docMk/>
+              <pc:sldMasterMk cId="1410729206" sldId="2147484549"/>
+              <pc:sldLayoutMk cId="1335358555" sldId="2147484568"/>
+              <ac:spMk id="2" creationId="{0A1960FE-6304-4A1B-9D7C-199BB7814DCC}"/>
+            </ac:spMkLst>
+          </pc:spChg>
+          <pc:spChg chg="add del">
+            <ac:chgData name="Baaij, Timo @ EMEA Industrial and Logistics" userId="c6be1d08-92b0-4773-8bbb-b359de052d48" providerId="ADAL" clId="{627235FA-4789-4DBE-B973-AF47620C0873}" dt="2023-02-16T20:32:54.006" v="222" actId="11529"/>
+            <ac:spMkLst>
+              <pc:docMk/>
+              <pc:sldMasterMk cId="1410729206" sldId="2147484549"/>
+              <pc:sldLayoutMk cId="1335358555" sldId="2147484568"/>
+              <ac:spMk id="2" creationId="{3269A9E8-03FC-4534-A25D-3866634041DF}"/>
+            </ac:spMkLst>
+          </pc:spChg>
           <pc:spChg chg="add del">
             <ac:chgData name="Baaij, Timo @ EMEA Industrial and Logistics" userId="c6be1d08-92b0-4773-8bbb-b359de052d48" providerId="ADAL" clId="{627235FA-4789-4DBE-B973-AF47620C0873}" dt="2023-02-15T09:33:39.659" v="42" actId="11529"/>
             <ac:spMkLst>
@@ -288,6 +350,15 @@
               <pc:sldMasterMk cId="1410729206" sldId="2147484549"/>
               <pc:sldLayoutMk cId="1335358555" sldId="2147484568"/>
               <ac:spMk id="2" creationId="{B682D975-FC13-4C37-9892-485FE384A9FF}"/>
+            </ac:spMkLst>
+          </pc:spChg>
+          <pc:spChg chg="add del">
+            <ac:chgData name="Baaij, Timo @ EMEA Industrial and Logistics" userId="c6be1d08-92b0-4773-8bbb-b359de052d48" providerId="ADAL" clId="{627235FA-4789-4DBE-B973-AF47620C0873}" dt="2023-02-16T15:57:29.416" v="189" actId="11529"/>
+            <ac:spMkLst>
+              <pc:docMk/>
+              <pc:sldMasterMk cId="1410729206" sldId="2147484549"/>
+              <pc:sldLayoutMk cId="1335358555" sldId="2147484568"/>
+              <ac:spMk id="2" creationId="{E29D108F-4CA2-4E27-BABB-4D69C38C29B4}"/>
             </ac:spMkLst>
           </pc:spChg>
           <pc:spChg chg="add del">
@@ -336,12 +407,39 @@
             </ac:spMkLst>
           </pc:spChg>
           <pc:spChg chg="add del mod">
+            <ac:chgData name="Baaij, Timo @ EMEA Industrial and Logistics" userId="c6be1d08-92b0-4773-8bbb-b359de052d48" providerId="ADAL" clId="{627235FA-4789-4DBE-B973-AF47620C0873}" dt="2023-02-16T20:43:31.564" v="234" actId="478"/>
+            <ac:spMkLst>
+              <pc:docMk/>
+              <pc:sldMasterMk cId="1410729206" sldId="2147484549"/>
+              <pc:sldLayoutMk cId="1335358555" sldId="2147484568"/>
+              <ac:spMk id="5" creationId="{20A938CC-B75C-417B-9AA8-463A88797CF8}"/>
+            </ac:spMkLst>
+          </pc:spChg>
+          <pc:spChg chg="add del mod">
             <ac:chgData name="Baaij, Timo @ EMEA Industrial and Logistics" userId="c6be1d08-92b0-4773-8bbb-b359de052d48" providerId="ADAL" clId="{627235FA-4789-4DBE-B973-AF47620C0873}" dt="2023-02-15T10:31:28.621" v="90" actId="478"/>
             <ac:spMkLst>
               <pc:docMk/>
               <pc:sldMasterMk cId="1410729206" sldId="2147484549"/>
               <pc:sldLayoutMk cId="1335358555" sldId="2147484568"/>
               <ac:spMk id="5" creationId="{D5772B70-9741-4B25-BC36-225E13F21717}"/>
+            </ac:spMkLst>
+          </pc:spChg>
+          <pc:spChg chg="add del mod">
+            <ac:chgData name="Baaij, Timo @ EMEA Industrial and Logistics" userId="c6be1d08-92b0-4773-8bbb-b359de052d48" providerId="ADAL" clId="{627235FA-4789-4DBE-B973-AF47620C0873}" dt="2023-02-16T15:57:37.347" v="190" actId="478"/>
+            <ac:spMkLst>
+              <pc:docMk/>
+              <pc:sldMasterMk cId="1410729206" sldId="2147484549"/>
+              <pc:sldLayoutMk cId="1335358555" sldId="2147484568"/>
+              <ac:spMk id="5" creationId="{D59669A9-F41C-4A1D-AAB1-8B024D4A2075}"/>
+            </ac:spMkLst>
+          </pc:spChg>
+          <pc:spChg chg="add mod">
+            <ac:chgData name="Baaij, Timo @ EMEA Industrial and Logistics" userId="c6be1d08-92b0-4773-8bbb-b359de052d48" providerId="ADAL" clId="{627235FA-4789-4DBE-B973-AF47620C0873}" dt="2023-02-16T20:32:58.134" v="223" actId="1076"/>
+            <ac:spMkLst>
+              <pc:docMk/>
+              <pc:sldMasterMk cId="1410729206" sldId="2147484549"/>
+              <pc:sldLayoutMk cId="1335358555" sldId="2147484568"/>
+              <ac:spMk id="6" creationId="{86A9E7CA-4078-417F-B643-C4AFC9383366}"/>
             </ac:spMkLst>
           </pc:spChg>
           <pc:spChg chg="add del mod">
@@ -542,6 +640,15 @@
               <ac:spMk id="24" creationId="{E006C56B-DF0E-4AEB-92CF-4A2FBFA6DC9C}"/>
             </ac:spMkLst>
           </pc:spChg>
+          <pc:spChg chg="add mod">
+            <ac:chgData name="Baaij, Timo @ EMEA Industrial and Logistics" userId="c6be1d08-92b0-4773-8bbb-b359de052d48" providerId="ADAL" clId="{627235FA-4789-4DBE-B973-AF47620C0873}" dt="2023-02-16T17:30:52.058" v="216" actId="1035"/>
+            <ac:spMkLst>
+              <pc:docMk/>
+              <pc:sldMasterMk cId="1410729206" sldId="2147484549"/>
+              <pc:sldLayoutMk cId="1335358555" sldId="2147484568"/>
+              <ac:spMk id="25" creationId="{3AA558BD-964E-4A97-822D-CAA015A7C585}"/>
+            </ac:spMkLst>
+          </pc:spChg>
           <pc:spChg chg="add del mod">
             <ac:chgData name="Baaij, Timo @ EMEA Industrial and Logistics" userId="c6be1d08-92b0-4773-8bbb-b359de052d48" providerId="ADAL" clId="{627235FA-4789-4DBE-B973-AF47620C0873}" dt="2023-02-15T12:54:22.352" v="153"/>
             <ac:spMkLst>
@@ -552,7 +659,16 @@
             </ac:spMkLst>
           </pc:spChg>
           <pc:spChg chg="add mod">
-            <ac:chgData name="Baaij, Timo @ EMEA Industrial and Logistics" userId="c6be1d08-92b0-4773-8bbb-b359de052d48" providerId="ADAL" clId="{627235FA-4789-4DBE-B973-AF47620C0873}" dt="2023-02-15T13:45:53.368" v="169" actId="1076"/>
+            <ac:chgData name="Baaij, Timo @ EMEA Industrial and Logistics" userId="c6be1d08-92b0-4773-8bbb-b359de052d48" providerId="ADAL" clId="{627235FA-4789-4DBE-B973-AF47620C0873}" dt="2023-02-16T17:30:52.058" v="216" actId="1035"/>
+            <ac:spMkLst>
+              <pc:docMk/>
+              <pc:sldMasterMk cId="1410729206" sldId="2147484549"/>
+              <pc:sldLayoutMk cId="1335358555" sldId="2147484568"/>
+              <ac:spMk id="26" creationId="{6F8F4AA2-F782-42E2-B4A0-AEE0CD8CAA65}"/>
+            </ac:spMkLst>
+          </pc:spChg>
+          <pc:spChg chg="add mod">
+            <ac:chgData name="Baaij, Timo @ EMEA Industrial and Logistics" userId="c6be1d08-92b0-4773-8bbb-b359de052d48" providerId="ADAL" clId="{627235FA-4789-4DBE-B973-AF47620C0873}" dt="2023-02-16T15:57:51.407" v="191" actId="1035"/>
             <ac:spMkLst>
               <pc:docMk/>
               <pc:sldMasterMk cId="1410729206" sldId="2147484549"/>
@@ -560,6 +676,51 @@
               <ac:spMk id="27" creationId="{6CFBE8FC-DAF6-4F15-993E-9D19CD844704}"/>
             </ac:spMkLst>
           </pc:spChg>
+          <pc:spChg chg="add mod">
+            <ac:chgData name="Baaij, Timo @ EMEA Industrial and Logistics" userId="c6be1d08-92b0-4773-8bbb-b359de052d48" providerId="ADAL" clId="{627235FA-4789-4DBE-B973-AF47620C0873}" dt="2023-02-16T17:30:52.058" v="216" actId="1035"/>
+            <ac:spMkLst>
+              <pc:docMk/>
+              <pc:sldMasterMk cId="1410729206" sldId="2147484549"/>
+              <pc:sldLayoutMk cId="1335358555" sldId="2147484568"/>
+              <ac:spMk id="28" creationId="{AC7CC3F1-1924-4840-9588-D5E4B81EFA46}"/>
+            </ac:spMkLst>
+          </pc:spChg>
+          <pc:spChg chg="add mod">
+            <ac:chgData name="Baaij, Timo @ EMEA Industrial and Logistics" userId="c6be1d08-92b0-4773-8bbb-b359de052d48" providerId="ADAL" clId="{627235FA-4789-4DBE-B973-AF47620C0873}" dt="2023-02-16T17:30:52.058" v="216" actId="1035"/>
+            <ac:spMkLst>
+              <pc:docMk/>
+              <pc:sldMasterMk cId="1410729206" sldId="2147484549"/>
+              <pc:sldLayoutMk cId="1335358555" sldId="2147484568"/>
+              <ac:spMk id="29" creationId="{B6B81B16-A4DC-4C9C-A08F-BFAF8258C684}"/>
+            </ac:spMkLst>
+          </pc:spChg>
+          <pc:spChg chg="add del mod">
+            <ac:chgData name="Baaij, Timo @ EMEA Industrial and Logistics" userId="c6be1d08-92b0-4773-8bbb-b359de052d48" providerId="ADAL" clId="{627235FA-4789-4DBE-B973-AF47620C0873}" dt="2023-02-16T17:36:02.120" v="217" actId="478"/>
+            <ac:spMkLst>
+              <pc:docMk/>
+              <pc:sldMasterMk cId="1410729206" sldId="2147484549"/>
+              <pc:sldLayoutMk cId="1335358555" sldId="2147484568"/>
+              <ac:spMk id="30" creationId="{FBFD4DBA-DBE6-4646-8AA0-E384125E2461}"/>
+            </ac:spMkLst>
+          </pc:spChg>
+          <pc:spChg chg="add mod">
+            <ac:chgData name="Baaij, Timo @ EMEA Industrial and Logistics" userId="c6be1d08-92b0-4773-8bbb-b359de052d48" providerId="ADAL" clId="{627235FA-4789-4DBE-B973-AF47620C0873}" dt="2023-02-16T20:43:39.271" v="241" actId="1036"/>
+            <ac:spMkLst>
+              <pc:docMk/>
+              <pc:sldMasterMk cId="1410729206" sldId="2147484549"/>
+              <pc:sldLayoutMk cId="1335358555" sldId="2147484568"/>
+              <ac:spMk id="31" creationId="{EA6A5147-CA69-48DC-B4A7-B5D61A9BDD52}"/>
+            </ac:spMkLst>
+          </pc:spChg>
+          <pc:graphicFrameChg chg="mod modGraphic">
+            <ac:chgData name="Baaij, Timo @ EMEA Industrial and Logistics" userId="c6be1d08-92b0-4773-8bbb-b359de052d48" providerId="ADAL" clId="{627235FA-4789-4DBE-B973-AF47620C0873}" dt="2023-02-16T20:43:51.797" v="242" actId="20577"/>
+            <ac:graphicFrameMkLst>
+              <pc:docMk/>
+              <pc:sldMasterMk cId="1410729206" sldId="2147484549"/>
+              <pc:sldLayoutMk cId="1335358555" sldId="2147484568"/>
+              <ac:graphicFrameMk id="9" creationId="{B3D7AFE1-7915-4169-86A7-0B53C618BE04}"/>
+            </ac:graphicFrameMkLst>
+          </pc:graphicFrameChg>
           <pc:graphicFrameChg chg="add del mod">
             <ac:chgData name="Baaij, Timo @ EMEA Industrial and Logistics" userId="c6be1d08-92b0-4773-8bbb-b359de052d48" providerId="ADAL" clId="{627235FA-4789-4DBE-B973-AF47620C0873}" dt="2023-02-15T12:54:22.352" v="153"/>
             <ac:graphicFrameMkLst>
@@ -670,7 +831,7 @@
           <a:p>
             <a:fld id="{C4ACECD0-B1DD-408B-AA41-431BF682FBE4}" type="datetimeFigureOut">
               <a:rPr lang="en-GB" smtClean="0"/>
-              <a:t>15/02/2023</a:t>
+              <a:t>16/02/2023</a:t>
             </a:fld>
             <a:endParaRPr lang="en-GB"/>
           </a:p>
@@ -847,7 +1008,7 @@
           <a:p>
             <a:fld id="{86C5C41C-6714-4709-9DD0-287337DCF44F}" type="datetimeFigureOut">
               <a:rPr lang="en-GB" smtClean="0"/>
-              <a:t>15/02/2023</a:t>
+              <a:t>16/02/2023</a:t>
             </a:fld>
             <a:endParaRPr lang="en-GB"/>
           </a:p>
@@ -1244,7 +1405,7 @@
           <p:nvPr userDrawn="1">
             <p:extLst>
               <p:ext uri="{D42A27DB-BD31-4B8C-83A1-F6EECF244321}">
-                <p14:modId xmlns:p14="http://schemas.microsoft.com/office/powerpoint/2010/main" val="2809161990"/>
+                <p14:modId xmlns:p14="http://schemas.microsoft.com/office/powerpoint/2010/main" val="1485700146"/>
               </p:ext>
             </p:extLst>
           </p:nvPr>
@@ -3075,21 +3236,21 @@
                         </a:spcBef>
                       </a:pPr>
                       <a:r>
-                        <a:rPr lang="en-GB" sz="1000" noProof="0">
+                        <a:rPr lang="en-GB" sz="1000" noProof="0" dirty="0">
                           <a:latin typeface="Calibre Light" panose="020B0303030202060203" pitchFamily="34" charset="0"/>
                           <a:cs typeface="FuturaStd-Light"/>
                         </a:rPr>
                         <a:t>kg/sq.</a:t>
                       </a:r>
                       <a:r>
-                        <a:rPr lang="en-GB" sz="1000" spc="-100" noProof="0">
+                        <a:rPr lang="en-GB" sz="1000" spc="-100" noProof="0" dirty="0">
                           <a:latin typeface="Calibre Light" panose="020B0303030202060203" pitchFamily="34" charset="0"/>
                           <a:cs typeface="FuturaStd-Light"/>
                         </a:rPr>
                         <a:t> m</a:t>
                       </a:r>
                       <a:r>
-                        <a:rPr lang="en-GB" sz="1000" noProof="0">
+                        <a:rPr lang="en-GB" sz="1000" noProof="0" dirty="0">
                           <a:latin typeface="Calibre Light" panose="020B0303030202060203" pitchFamily="34" charset="0"/>
                           <a:cs typeface="FuturaStd-Light"/>
                         </a:rPr>
@@ -4351,7 +4512,7 @@
                         </a:spcBef>
                       </a:pPr>
                       <a:r>
-                        <a:rPr lang="en-GB" sz="1000" noProof="0">
+                        <a:rPr lang="en-GB" sz="1000" noProof="0" dirty="0">
                           <a:solidFill>
                             <a:schemeClr val="tx1"/>
                           </a:solidFill>
@@ -4763,17 +4924,14 @@
                           <a:spcPts val="0"/>
                         </a:spcBef>
                       </a:pPr>
-                      <a:r>
-                        <a:rPr lang="en-GB" sz="1000" noProof="0" dirty="0">
-                          <a:solidFill>
-                            <a:schemeClr val="tx1"/>
-                          </a:solidFill>
-                          <a:latin typeface="Calibre Light" panose="020B0303030202060203" pitchFamily="34" charset="0"/>
-                          <a:ea typeface="+mn-ea"/>
-                          <a:cs typeface="FuturaStd-Light"/>
-                        </a:rPr>
-                        <a:t>-</a:t>
-                      </a:r>
+                      <a:endParaRPr lang="en-GB" sz="1000" noProof="0" dirty="0">
+                        <a:solidFill>
+                          <a:schemeClr val="tx1"/>
+                        </a:solidFill>
+                        <a:latin typeface="Calibre Light" panose="020B0303030202060203" pitchFamily="34" charset="0"/>
+                        <a:ea typeface="+mn-ea"/>
+                        <a:cs typeface="FuturaStd-Light"/>
+                      </a:endParaRPr>
                     </a:p>
                   </a:txBody>
                   <a:tcPr marL="0" marR="0" marT="0" marB="0" anchor="ctr">
@@ -5456,7 +5614,7 @@
         </p:nvSpPr>
         <p:spPr>
           <a:xfrm>
-            <a:off x="6749719" y="4450604"/>
+            <a:off x="6749719" y="4442984"/>
             <a:ext cx="647190" cy="164441"/>
           </a:xfrm>
         </p:spPr>
@@ -5473,6 +5631,226 @@
               <a:rPr lang="en-US" dirty="0"/>
               <a:t>Click to edit Master text styles</a:t>
             </a:r>
+          </a:p>
+        </p:txBody>
+      </p:sp>
+      <p:sp>
+        <p:nvSpPr>
+          <p:cNvPr id="25" name="WarehousePrice">
+            <a:extLst>
+              <a:ext uri="{FF2B5EF4-FFF2-40B4-BE49-F238E27FC236}">
+                <a16:creationId xmlns:a16="http://schemas.microsoft.com/office/drawing/2014/main" id="{3AA558BD-964E-4A97-822D-CAA015A7C585}"/>
+              </a:ext>
+            </a:extLst>
+          </p:cNvPr>
+          <p:cNvSpPr>
+            <a:spLocks noGrp="1"/>
+          </p:cNvSpPr>
+          <p:nvPr>
+            <p:ph sz="quarter" idx="26"/>
+          </p:nvPr>
+        </p:nvSpPr>
+        <p:spPr>
+          <a:xfrm>
+            <a:off x="5967364" y="4983867"/>
+            <a:ext cx="647190" cy="164441"/>
+          </a:xfrm>
+        </p:spPr>
+        <p:txBody>
+          <a:bodyPr/>
+          <a:lstStyle>
+            <a:lvl1pPr algn="r">
+              <a:defRPr sz="1000"/>
+            </a:lvl1pPr>
+          </a:lstStyle>
+          <a:p>
+            <a:pPr lvl="0"/>
+            <a:r>
+              <a:rPr lang="en-US" dirty="0"/>
+              <a:t>Click to edit Master text styles</a:t>
+            </a:r>
+          </a:p>
+        </p:txBody>
+      </p:sp>
+      <p:sp>
+        <p:nvSpPr>
+          <p:cNvPr id="26" name="OfficePrice">
+            <a:extLst>
+              <a:ext uri="{FF2B5EF4-FFF2-40B4-BE49-F238E27FC236}">
+                <a16:creationId xmlns:a16="http://schemas.microsoft.com/office/drawing/2014/main" id="{6F8F4AA2-F782-42E2-B4A0-AEE0CD8CAA65}"/>
+              </a:ext>
+            </a:extLst>
+          </p:cNvPr>
+          <p:cNvSpPr>
+            <a:spLocks noGrp="1"/>
+          </p:cNvSpPr>
+          <p:nvPr>
+            <p:ph sz="quarter" idx="27"/>
+          </p:nvPr>
+        </p:nvSpPr>
+        <p:spPr>
+          <a:xfrm>
+            <a:off x="5967364" y="5135335"/>
+            <a:ext cx="647190" cy="164441"/>
+          </a:xfrm>
+        </p:spPr>
+        <p:txBody>
+          <a:bodyPr/>
+          <a:lstStyle>
+            <a:lvl1pPr algn="r">
+              <a:defRPr sz="1000"/>
+            </a:lvl1pPr>
+          </a:lstStyle>
+          <a:p>
+            <a:pPr lvl="0"/>
+            <a:r>
+              <a:rPr lang="en-US" dirty="0"/>
+              <a:t>Click to edit Master text styles</a:t>
+            </a:r>
+          </a:p>
+        </p:txBody>
+      </p:sp>
+      <p:sp>
+        <p:nvSpPr>
+          <p:cNvPr id="28" name="MezzanineSpace">
+            <a:extLst>
+              <a:ext uri="{FF2B5EF4-FFF2-40B4-BE49-F238E27FC236}">
+                <a16:creationId xmlns:a16="http://schemas.microsoft.com/office/drawing/2014/main" id="{AC7CC3F1-1924-4840-9588-D5E4B81EFA46}"/>
+              </a:ext>
+            </a:extLst>
+          </p:cNvPr>
+          <p:cNvSpPr>
+            <a:spLocks noGrp="1"/>
+          </p:cNvSpPr>
+          <p:nvPr>
+            <p:ph sz="quarter" idx="28"/>
+          </p:nvPr>
+        </p:nvSpPr>
+        <p:spPr>
+          <a:xfrm>
+            <a:off x="5967364" y="5281132"/>
+            <a:ext cx="647190" cy="164441"/>
+          </a:xfrm>
+        </p:spPr>
+        <p:txBody>
+          <a:bodyPr/>
+          <a:lstStyle>
+            <a:lvl1pPr algn="r">
+              <a:defRPr sz="1000"/>
+            </a:lvl1pPr>
+          </a:lstStyle>
+          <a:p>
+            <a:pPr lvl="0"/>
+            <a:r>
+              <a:rPr lang="en-US" dirty="0"/>
+              <a:t>Click to edit Master text styles</a:t>
+            </a:r>
+          </a:p>
+        </p:txBody>
+      </p:sp>
+      <p:sp>
+        <p:nvSpPr>
+          <p:cNvPr id="29" name="ParkingCost">
+            <a:extLst>
+              <a:ext uri="{FF2B5EF4-FFF2-40B4-BE49-F238E27FC236}">
+                <a16:creationId xmlns:a16="http://schemas.microsoft.com/office/drawing/2014/main" id="{B6B81B16-A4DC-4C9C-A08F-BFAF8258C684}"/>
+              </a:ext>
+            </a:extLst>
+          </p:cNvPr>
+          <p:cNvSpPr>
+            <a:spLocks noGrp="1"/>
+          </p:cNvSpPr>
+          <p:nvPr>
+            <p:ph sz="quarter" idx="29"/>
+          </p:nvPr>
+        </p:nvSpPr>
+        <p:spPr>
+          <a:xfrm>
+            <a:off x="5967364" y="5435410"/>
+            <a:ext cx="647190" cy="164441"/>
+          </a:xfrm>
+        </p:spPr>
+        <p:txBody>
+          <a:bodyPr/>
+          <a:lstStyle>
+            <a:lvl1pPr algn="r">
+              <a:defRPr sz="1000"/>
+            </a:lvl1pPr>
+          </a:lstStyle>
+          <a:p>
+            <a:pPr lvl="0"/>
+            <a:r>
+              <a:rPr lang="en-US" dirty="0"/>
+              <a:t>Click to edit Master text styles</a:t>
+            </a:r>
+          </a:p>
+        </p:txBody>
+      </p:sp>
+      <p:sp>
+        <p:nvSpPr>
+          <p:cNvPr id="31" name="Comments">
+            <a:extLst>
+              <a:ext uri="{FF2B5EF4-FFF2-40B4-BE49-F238E27FC236}">
+                <a16:creationId xmlns:a16="http://schemas.microsoft.com/office/drawing/2014/main" id="{EA6A5147-CA69-48DC-B4A7-B5D61A9BDD52}"/>
+              </a:ext>
+            </a:extLst>
+          </p:cNvPr>
+          <p:cNvSpPr>
+            <a:spLocks noGrp="1"/>
+          </p:cNvSpPr>
+          <p:nvPr>
+            <p:ph sz="quarter" idx="31"/>
+          </p:nvPr>
+        </p:nvSpPr>
+        <p:spPr>
+          <a:xfrm>
+            <a:off x="3895393" y="5992486"/>
+            <a:ext cx="3688079" cy="425281"/>
+          </a:xfrm>
+        </p:spPr>
+        <p:txBody>
+          <a:bodyPr/>
+          <a:lstStyle>
+            <a:lvl1pPr algn="l">
+              <a:defRPr sz="1000"/>
+            </a:lvl1pPr>
+          </a:lstStyle>
+          <a:p>
+            <a:pPr lvl="0"/>
+            <a:r>
+              <a:rPr lang="en-US" dirty="0"/>
+              <a:t>Click to edit Master text styles</a:t>
+            </a:r>
+          </a:p>
+        </p:txBody>
+      </p:sp>
+      <p:sp>
+        <p:nvSpPr>
+          <p:cNvPr id="6" name="Picture Placeholder 5">
+            <a:extLst>
+              <a:ext uri="{FF2B5EF4-FFF2-40B4-BE49-F238E27FC236}">
+                <a16:creationId xmlns:a16="http://schemas.microsoft.com/office/drawing/2014/main" id="{86A9E7CA-4078-417F-B643-C4AFC9383366}"/>
+              </a:ext>
+            </a:extLst>
+          </p:cNvPr>
+          <p:cNvSpPr>
+            <a:spLocks noGrp="1"/>
+          </p:cNvSpPr>
+          <p:nvPr>
+            <p:ph type="pic" sz="quarter" idx="33"/>
+          </p:nvPr>
+        </p:nvSpPr>
+        <p:spPr>
+          <a:xfrm>
+            <a:off x="496719" y="2824163"/>
+            <a:ext cx="1057275" cy="958850"/>
+          </a:xfrm>
+        </p:spPr>
+        <p:txBody>
+          <a:bodyPr/>
+          <a:lstStyle/>
+          <a:p>
+            <a:endParaRPr lang="en-GB"/>
           </a:p>
         </p:txBody>
       </p:sp>

--- a/static/template.pptx
+++ b/static/template.pptx
@@ -183,7 +183,7 @@
 <file path=ppt/revisionInfo.xml><?xml version="1.0" encoding="utf-8"?>
 <p1510:revInfo xmlns:a="http://schemas.openxmlformats.org/drawingml/2006/main" xmlns:r="http://schemas.openxmlformats.org/officeDocument/2006/relationships" xmlns:p1510="http://schemas.microsoft.com/office/powerpoint/2015/10/main">
   <p1510:revLst>
-    <p1510:client id="{627235FA-4789-4DBE-B973-AF47620C0873}" v="84" dt="2023-02-16T20:33:53.842"/>
+    <p1510:client id="{627235FA-4789-4DBE-B973-AF47620C0873}" v="87" dt="2023-02-17T11:04:07.989"/>
   </p1510:revLst>
 </p1510:revInfo>
 </file>
@@ -193,7 +193,7 @@
   <pc:docChgLst>
     <pc:chgData name="Baaij, Timo @ EMEA Industrial and Logistics" userId="c6be1d08-92b0-4773-8bbb-b359de052d48" providerId="ADAL" clId="{627235FA-4789-4DBE-B973-AF47620C0873}"/>
     <pc:docChg chg="undo custSel addSld delSld modSld modMainMaster delSection modSection">
-      <pc:chgData name="Baaij, Timo @ EMEA Industrial and Logistics" userId="c6be1d08-92b0-4773-8bbb-b359de052d48" providerId="ADAL" clId="{627235FA-4789-4DBE-B973-AF47620C0873}" dt="2023-02-16T20:43:51.797" v="242" actId="20577"/>
+      <pc:chgData name="Baaij, Timo @ EMEA Industrial and Logistics" userId="c6be1d08-92b0-4773-8bbb-b359de052d48" providerId="ADAL" clId="{627235FA-4789-4DBE-B973-AF47620C0873}" dt="2023-02-17T11:04:07.989" v="246" actId="255"/>
       <pc:docMkLst>
         <pc:docMk/>
       </pc:docMkLst>
@@ -295,13 +295,13 @@
         </pc:sldMkLst>
       </pc:sldChg>
       <pc:sldMasterChg chg="modSldLayout">
-        <pc:chgData name="Baaij, Timo @ EMEA Industrial and Logistics" userId="c6be1d08-92b0-4773-8bbb-b359de052d48" providerId="ADAL" clId="{627235FA-4789-4DBE-B973-AF47620C0873}" dt="2023-02-16T20:43:51.797" v="242" actId="20577"/>
+        <pc:chgData name="Baaij, Timo @ EMEA Industrial and Logistics" userId="c6be1d08-92b0-4773-8bbb-b359de052d48" providerId="ADAL" clId="{627235FA-4789-4DBE-B973-AF47620C0873}" dt="2023-02-17T11:04:07.989" v="246" actId="255"/>
         <pc:sldMasterMkLst>
           <pc:docMk/>
           <pc:sldMasterMk cId="1410729206" sldId="2147484549"/>
         </pc:sldMasterMkLst>
         <pc:sldLayoutChg chg="addSp delSp modSp mod">
-          <pc:chgData name="Baaij, Timo @ EMEA Industrial and Logistics" userId="c6be1d08-92b0-4773-8bbb-b359de052d48" providerId="ADAL" clId="{627235FA-4789-4DBE-B973-AF47620C0873}" dt="2023-02-16T20:43:51.797" v="242" actId="20577"/>
+          <pc:chgData name="Baaij, Timo @ EMEA Industrial and Logistics" userId="c6be1d08-92b0-4773-8bbb-b359de052d48" providerId="ADAL" clId="{627235FA-4789-4DBE-B973-AF47620C0873}" dt="2023-02-17T11:04:07.989" v="246" actId="255"/>
           <pc:sldLayoutMkLst>
             <pc:docMk/>
             <pc:sldMasterMk cId="1410729206" sldId="2147484549"/>
@@ -314,6 +314,15 @@
               <pc:sldMasterMk cId="1410729206" sldId="2147484549"/>
               <pc:sldLayoutMk cId="1335358555" sldId="2147484568"/>
               <ac:spMk id="2" creationId="{0A1960FE-6304-4A1B-9D7C-199BB7814DCC}"/>
+            </ac:spMkLst>
+          </pc:spChg>
+          <pc:spChg chg="add del">
+            <ac:chgData name="Baaij, Timo @ EMEA Industrial and Logistics" userId="c6be1d08-92b0-4773-8bbb-b359de052d48" providerId="ADAL" clId="{627235FA-4789-4DBE-B973-AF47620C0873}" dt="2023-02-17T11:03:39.004" v="243" actId="11529"/>
+            <ac:spMkLst>
+              <pc:docMk/>
+              <pc:sldMasterMk cId="1410729206" sldId="2147484549"/>
+              <pc:sldLayoutMk cId="1335358555" sldId="2147484568"/>
+              <ac:spMk id="2" creationId="{23FB4D40-E260-4F41-AB38-F36C80145D9A}"/>
             </ac:spMkLst>
           </pc:spChg>
           <pc:spChg chg="add del">
@@ -413,6 +422,15 @@
               <pc:sldMasterMk cId="1410729206" sldId="2147484549"/>
               <pc:sldLayoutMk cId="1335358555" sldId="2147484568"/>
               <ac:spMk id="5" creationId="{20A938CC-B75C-417B-9AA8-463A88797CF8}"/>
+            </ac:spMkLst>
+          </pc:spChg>
+          <pc:spChg chg="add mod">
+            <ac:chgData name="Baaij, Timo @ EMEA Industrial and Logistics" userId="c6be1d08-92b0-4773-8bbb-b359de052d48" providerId="ADAL" clId="{627235FA-4789-4DBE-B973-AF47620C0873}" dt="2023-02-17T11:04:07.989" v="246" actId="255"/>
+            <ac:spMkLst>
+              <pc:docMk/>
+              <pc:sldMasterMk cId="1410729206" sldId="2147484549"/>
+              <pc:sldLayoutMk cId="1335358555" sldId="2147484568"/>
+              <ac:spMk id="5" creationId="{A523F6E3-510F-4DF7-B94B-47596E2BA8DB}"/>
             </ac:spMkLst>
           </pc:spChg>
           <pc:spChg chg="add del mod">
@@ -831,7 +849,7 @@
           <a:p>
             <a:fld id="{C4ACECD0-B1DD-408B-AA41-431BF682FBE4}" type="datetimeFigureOut">
               <a:rPr lang="en-GB" smtClean="0"/>
-              <a:t>16/02/2023</a:t>
+              <a:t>17/02/2023</a:t>
             </a:fld>
             <a:endParaRPr lang="en-GB"/>
           </a:p>
@@ -1008,7 +1026,7 @@
           <a:p>
             <a:fld id="{86C5C41C-6714-4709-9DD0-287337DCF44F}" type="datetimeFigureOut">
               <a:rPr lang="en-GB" smtClean="0"/>
-              <a:t>16/02/2023</a:t>
+              <a:t>17/02/2023</a:t>
             </a:fld>
             <a:endParaRPr lang="en-GB"/>
           </a:p>
@@ -5851,6 +5869,41 @@
           <a:lstStyle/>
           <a:p>
             <a:endParaRPr lang="en-GB"/>
+          </a:p>
+        </p:txBody>
+      </p:sp>
+      <p:sp>
+        <p:nvSpPr>
+          <p:cNvPr id="5" name="Text Placeholder 4">
+            <a:extLst>
+              <a:ext uri="{FF2B5EF4-FFF2-40B4-BE49-F238E27FC236}">
+                <a16:creationId xmlns:a16="http://schemas.microsoft.com/office/drawing/2014/main" id="{A523F6E3-510F-4DF7-B94B-47596E2BA8DB}"/>
+              </a:ext>
+            </a:extLst>
+          </p:cNvPr>
+          <p:cNvSpPr>
+            <a:spLocks noGrp="1"/>
+          </p:cNvSpPr>
+          <p:nvPr>
+            <p:ph type="body" sz="quarter" idx="34"/>
+          </p:nvPr>
+        </p:nvSpPr>
+        <p:spPr>
+          <a:xfrm>
+            <a:off x="496888" y="2824163"/>
+            <a:ext cx="1057275" cy="958850"/>
+          </a:xfrm>
+        </p:spPr>
+        <p:txBody>
+          <a:bodyPr/>
+          <a:lstStyle>
+            <a:lvl1pPr>
+              <a:defRPr sz="1000"/>
+            </a:lvl1pPr>
+          </a:lstStyle>
+          <a:p>
+            <a:pPr lvl="0"/>
+            <a:endParaRPr lang="en-GB" dirty="0"/>
           </a:p>
         </p:txBody>
       </p:sp>

--- a/static/template.pptx
+++ b/static/template.pptx
@@ -183,7 +183,7 @@
 <file path=ppt/revisionInfo.xml><?xml version="1.0" encoding="utf-8"?>
 <p1510:revInfo xmlns:a="http://schemas.openxmlformats.org/drawingml/2006/main" xmlns:r="http://schemas.openxmlformats.org/officeDocument/2006/relationships" xmlns:p1510="http://schemas.microsoft.com/office/powerpoint/2015/10/main">
   <p1510:revLst>
-    <p1510:client id="{627235FA-4789-4DBE-B973-AF47620C0873}" v="87" dt="2023-02-17T11:04:07.989"/>
+    <p1510:client id="{627235FA-4789-4DBE-B973-AF47620C0873}" v="117" dt="2023-02-17T11:46:19.685"/>
   </p1510:revLst>
 </p1510:revInfo>
 </file>
@@ -193,7 +193,7 @@
   <pc:docChgLst>
     <pc:chgData name="Baaij, Timo @ EMEA Industrial and Logistics" userId="c6be1d08-92b0-4773-8bbb-b359de052d48" providerId="ADAL" clId="{627235FA-4789-4DBE-B973-AF47620C0873}"/>
     <pc:docChg chg="undo custSel addSld delSld modSld modMainMaster delSection modSection">
-      <pc:chgData name="Baaij, Timo @ EMEA Industrial and Logistics" userId="c6be1d08-92b0-4773-8bbb-b359de052d48" providerId="ADAL" clId="{627235FA-4789-4DBE-B973-AF47620C0873}" dt="2023-02-17T11:04:07.989" v="246" actId="255"/>
+      <pc:chgData name="Baaij, Timo @ EMEA Industrial and Logistics" userId="c6be1d08-92b0-4773-8bbb-b359de052d48" providerId="ADAL" clId="{627235FA-4789-4DBE-B973-AF47620C0873}" dt="2023-02-17T11:46:19.685" v="281" actId="255"/>
       <pc:docMkLst>
         <pc:docMk/>
       </pc:docMkLst>
@@ -295,13 +295,13 @@
         </pc:sldMkLst>
       </pc:sldChg>
       <pc:sldMasterChg chg="modSldLayout">
-        <pc:chgData name="Baaij, Timo @ EMEA Industrial and Logistics" userId="c6be1d08-92b0-4773-8bbb-b359de052d48" providerId="ADAL" clId="{627235FA-4789-4DBE-B973-AF47620C0873}" dt="2023-02-17T11:04:07.989" v="246" actId="255"/>
+        <pc:chgData name="Baaij, Timo @ EMEA Industrial and Logistics" userId="c6be1d08-92b0-4773-8bbb-b359de052d48" providerId="ADAL" clId="{627235FA-4789-4DBE-B973-AF47620C0873}" dt="2023-02-17T11:46:19.685" v="281" actId="255"/>
         <pc:sldMasterMkLst>
           <pc:docMk/>
           <pc:sldMasterMk cId="1410729206" sldId="2147484549"/>
         </pc:sldMasterMkLst>
         <pc:sldLayoutChg chg="addSp delSp modSp mod">
-          <pc:chgData name="Baaij, Timo @ EMEA Industrial and Logistics" userId="c6be1d08-92b0-4773-8bbb-b359de052d48" providerId="ADAL" clId="{627235FA-4789-4DBE-B973-AF47620C0873}" dt="2023-02-17T11:04:07.989" v="246" actId="255"/>
+          <pc:chgData name="Baaij, Timo @ EMEA Industrial and Logistics" userId="c6be1d08-92b0-4773-8bbb-b359de052d48" providerId="ADAL" clId="{627235FA-4789-4DBE-B973-AF47620C0873}" dt="2023-02-17T11:46:19.685" v="281" actId="255"/>
           <pc:sldLayoutMkLst>
             <pc:docMk/>
             <pc:sldMasterMk cId="1410729206" sldId="2147484549"/>
@@ -425,7 +425,7 @@
             </ac:spMkLst>
           </pc:spChg>
           <pc:spChg chg="add mod">
-            <ac:chgData name="Baaij, Timo @ EMEA Industrial and Logistics" userId="c6be1d08-92b0-4773-8bbb-b359de052d48" providerId="ADAL" clId="{627235FA-4789-4DBE-B973-AF47620C0873}" dt="2023-02-17T11:04:07.989" v="246" actId="255"/>
+            <ac:chgData name="Baaij, Timo @ EMEA Industrial and Logistics" userId="c6be1d08-92b0-4773-8bbb-b359de052d48" providerId="ADAL" clId="{627235FA-4789-4DBE-B973-AF47620C0873}" dt="2023-02-17T11:46:19.685" v="281" actId="255"/>
             <ac:spMkLst>
               <pc:docMk/>
               <pc:sldMasterMk cId="1410729206" sldId="2147484549"/>
@@ -5895,10 +5895,16 @@
           </a:xfrm>
         </p:spPr>
         <p:txBody>
-          <a:bodyPr/>
+          <a:bodyPr rIns="72000"/>
           <a:lstStyle>
             <a:lvl1pPr>
-              <a:defRPr sz="1000"/>
+              <a:defRPr sz="2900">
+                <a:solidFill>
+                  <a:schemeClr val="tx1">
+                    <a:alpha val="0"/>
+                  </a:schemeClr>
+                </a:solidFill>
+              </a:defRPr>
             </a:lvl1pPr>
           </a:lstStyle>
           <a:p>

--- a/static/template.pptx
+++ b/static/template.pptx
@@ -183,7 +183,7 @@
 <file path=ppt/revisionInfo.xml><?xml version="1.0" encoding="utf-8"?>
 <p1510:revInfo xmlns:a="http://schemas.openxmlformats.org/drawingml/2006/main" xmlns:r="http://schemas.openxmlformats.org/officeDocument/2006/relationships" xmlns:p1510="http://schemas.microsoft.com/office/powerpoint/2015/10/main">
   <p1510:revLst>
-    <p1510:client id="{627235FA-4789-4DBE-B973-AF47620C0873}" v="117" dt="2023-02-17T11:46:19.685"/>
+    <p1510:client id="{627235FA-4789-4DBE-B973-AF47620C0873}" v="123" dt="2023-02-17T11:51:58.216"/>
   </p1510:revLst>
 </p1510:revInfo>
 </file>
@@ -193,7 +193,7 @@
   <pc:docChgLst>
     <pc:chgData name="Baaij, Timo @ EMEA Industrial and Logistics" userId="c6be1d08-92b0-4773-8bbb-b359de052d48" providerId="ADAL" clId="{627235FA-4789-4DBE-B973-AF47620C0873}"/>
     <pc:docChg chg="undo custSel addSld delSld modSld modMainMaster delSection modSection">
-      <pc:chgData name="Baaij, Timo @ EMEA Industrial and Logistics" userId="c6be1d08-92b0-4773-8bbb-b359de052d48" providerId="ADAL" clId="{627235FA-4789-4DBE-B973-AF47620C0873}" dt="2023-02-17T11:46:19.685" v="281" actId="255"/>
+      <pc:chgData name="Baaij, Timo @ EMEA Industrial and Logistics" userId="c6be1d08-92b0-4773-8bbb-b359de052d48" providerId="ADAL" clId="{627235FA-4789-4DBE-B973-AF47620C0873}" dt="2023-02-17T11:52:18.170" v="327" actId="47"/>
       <pc:docMkLst>
         <pc:docMk/>
       </pc:docMkLst>
@@ -250,6 +250,21 @@
         </pc:sldMkLst>
       </pc:sldChg>
       <pc:sldChg chg="modSp new del mod">
+        <pc:chgData name="Baaij, Timo @ EMEA Industrial and Logistics" userId="c6be1d08-92b0-4773-8bbb-b359de052d48" providerId="ADAL" clId="{627235FA-4789-4DBE-B973-AF47620C0873}" dt="2023-02-17T11:52:18.170" v="327" actId="47"/>
+        <pc:sldMkLst>
+          <pc:docMk/>
+          <pc:sldMk cId="2800192164" sldId="256"/>
+        </pc:sldMkLst>
+        <pc:spChg chg="mod">
+          <ac:chgData name="Baaij, Timo @ EMEA Industrial and Logistics" userId="c6be1d08-92b0-4773-8bbb-b359de052d48" providerId="ADAL" clId="{627235FA-4789-4DBE-B973-AF47620C0873}" dt="2023-02-17T11:51:14.865" v="317" actId="2085"/>
+          <ac:spMkLst>
+            <pc:docMk/>
+            <pc:sldMk cId="2800192164" sldId="256"/>
+            <ac:spMk id="24" creationId="{B3945BE0-376E-47B2-8E51-BE8523092A46}"/>
+          </ac:spMkLst>
+        </pc:spChg>
+      </pc:sldChg>
+      <pc:sldChg chg="modSp new del mod">
         <pc:chgData name="Baaij, Timo @ EMEA Industrial and Logistics" userId="c6be1d08-92b0-4773-8bbb-b359de052d48" providerId="ADAL" clId="{627235FA-4789-4DBE-B973-AF47620C0873}" dt="2023-02-15T08:59:54.900" v="37" actId="47"/>
         <pc:sldMkLst>
           <pc:docMk/>
@@ -295,13 +310,13 @@
         </pc:sldMkLst>
       </pc:sldChg>
       <pc:sldMasterChg chg="modSldLayout">
-        <pc:chgData name="Baaij, Timo @ EMEA Industrial and Logistics" userId="c6be1d08-92b0-4773-8bbb-b359de052d48" providerId="ADAL" clId="{627235FA-4789-4DBE-B973-AF47620C0873}" dt="2023-02-17T11:46:19.685" v="281" actId="255"/>
+        <pc:chgData name="Baaij, Timo @ EMEA Industrial and Logistics" userId="c6be1d08-92b0-4773-8bbb-b359de052d48" providerId="ADAL" clId="{627235FA-4789-4DBE-B973-AF47620C0873}" dt="2023-02-17T11:52:05.805" v="326" actId="1076"/>
         <pc:sldMasterMkLst>
           <pc:docMk/>
           <pc:sldMasterMk cId="1410729206" sldId="2147484549"/>
         </pc:sldMasterMkLst>
         <pc:sldLayoutChg chg="addSp delSp modSp mod">
-          <pc:chgData name="Baaij, Timo @ EMEA Industrial and Logistics" userId="c6be1d08-92b0-4773-8bbb-b359de052d48" providerId="ADAL" clId="{627235FA-4789-4DBE-B973-AF47620C0873}" dt="2023-02-17T11:46:19.685" v="281" actId="255"/>
+          <pc:chgData name="Baaij, Timo @ EMEA Industrial and Logistics" userId="c6be1d08-92b0-4773-8bbb-b359de052d48" providerId="ADAL" clId="{627235FA-4789-4DBE-B973-AF47620C0873}" dt="2023-02-17T11:52:05.805" v="326" actId="1076"/>
           <pc:sldLayoutMkLst>
             <pc:docMk/>
             <pc:sldMasterMk cId="1410729206" sldId="2147484549"/>
@@ -425,7 +440,7 @@
             </ac:spMkLst>
           </pc:spChg>
           <pc:spChg chg="add mod">
-            <ac:chgData name="Baaij, Timo @ EMEA Industrial and Logistics" userId="c6be1d08-92b0-4773-8bbb-b359de052d48" providerId="ADAL" clId="{627235FA-4789-4DBE-B973-AF47620C0873}" dt="2023-02-17T11:46:19.685" v="281" actId="255"/>
+            <ac:chgData name="Baaij, Timo @ EMEA Industrial and Logistics" userId="c6be1d08-92b0-4773-8bbb-b359de052d48" providerId="ADAL" clId="{627235FA-4789-4DBE-B973-AF47620C0873}" dt="2023-02-17T11:52:05.805" v="326" actId="1076"/>
             <ac:spMkLst>
               <pc:docMk/>
               <pc:sldMasterMk cId="1410729206" sldId="2147484549"/>
@@ -452,7 +467,7 @@
             </ac:spMkLst>
           </pc:spChg>
           <pc:spChg chg="add mod">
-            <ac:chgData name="Baaij, Timo @ EMEA Industrial and Logistics" userId="c6be1d08-92b0-4773-8bbb-b359de052d48" providerId="ADAL" clId="{627235FA-4789-4DBE-B973-AF47620C0873}" dt="2023-02-16T20:32:58.134" v="223" actId="1076"/>
+            <ac:chgData name="Baaij, Timo @ EMEA Industrial and Logistics" userId="c6be1d08-92b0-4773-8bbb-b359de052d48" providerId="ADAL" clId="{627235FA-4789-4DBE-B973-AF47620C0873}" dt="2023-02-17T11:52:02.094" v="325" actId="6549"/>
             <ac:spMkLst>
               <pc:docMk/>
               <pc:sldMasterMk cId="1410729206" sldId="2147484549"/>
@@ -5866,9 +5881,13 @@
         </p:spPr>
         <p:txBody>
           <a:bodyPr/>
-          <a:lstStyle/>
+          <a:lstStyle>
+            <a:lvl1pPr>
+              <a:defRPr/>
+            </a:lvl1pPr>
+          </a:lstStyle>
           <a:p>
-            <a:endParaRPr lang="en-GB"/>
+            <a:endParaRPr lang="en-GB" dirty="0"/>
           </a:p>
         </p:txBody>
       </p:sp>
@@ -5890,7 +5909,7 @@
         </p:nvSpPr>
         <p:spPr>
           <a:xfrm>
-            <a:off x="496888" y="2824163"/>
+            <a:off x="496718" y="2822717"/>
             <a:ext cx="1057275" cy="958850"/>
           </a:xfrm>
         </p:spPr>
@@ -5899,11 +5918,10 @@
           <a:lstStyle>
             <a:lvl1pPr>
               <a:defRPr sz="2900">
-                <a:solidFill>
-                  <a:schemeClr val="tx1">
-                    <a:alpha val="0"/>
-                  </a:schemeClr>
-                </a:solidFill>
+                <a:ln>
+                  <a:noFill/>
+                </a:ln>
+                <a:noFill/>
               </a:defRPr>
             </a:lvl1pPr>
           </a:lstStyle>

--- a/static/template.pptx
+++ b/static/template.pptx
@@ -183,7 +183,7 @@
 <file path=ppt/revisionInfo.xml><?xml version="1.0" encoding="utf-8"?>
 <p1510:revInfo xmlns:a="http://schemas.openxmlformats.org/drawingml/2006/main" xmlns:r="http://schemas.openxmlformats.org/officeDocument/2006/relationships" xmlns:p1510="http://schemas.microsoft.com/office/powerpoint/2015/10/main">
   <p1510:revLst>
-    <p1510:client id="{627235FA-4789-4DBE-B973-AF47620C0873}" v="123" dt="2023-02-17T11:51:58.216"/>
+    <p1510:client id="{627235FA-4789-4DBE-B973-AF47620C0873}" v="124" dt="2023-02-17T12:03:23.606"/>
   </p1510:revLst>
 </p1510:revInfo>
 </file>
@@ -193,10 +193,32 @@
   <pc:docChgLst>
     <pc:chgData name="Baaij, Timo @ EMEA Industrial and Logistics" userId="c6be1d08-92b0-4773-8bbb-b359de052d48" providerId="ADAL" clId="{627235FA-4789-4DBE-B973-AF47620C0873}"/>
     <pc:docChg chg="undo custSel addSld delSld modSld modMainMaster delSection modSection">
-      <pc:chgData name="Baaij, Timo @ EMEA Industrial and Logistics" userId="c6be1d08-92b0-4773-8bbb-b359de052d48" providerId="ADAL" clId="{627235FA-4789-4DBE-B973-AF47620C0873}" dt="2023-02-17T11:52:18.170" v="327" actId="47"/>
+      <pc:chgData name="Baaij, Timo @ EMEA Industrial and Logistics" userId="c6be1d08-92b0-4773-8bbb-b359de052d48" providerId="ADAL" clId="{627235FA-4789-4DBE-B973-AF47620C0873}" dt="2023-02-17T12:04:50.229" v="354" actId="14429"/>
       <pc:docMkLst>
         <pc:docMk/>
       </pc:docMkLst>
+      <pc:sldChg chg="new del">
+        <pc:chgData name="Baaij, Timo @ EMEA Industrial and Logistics" userId="c6be1d08-92b0-4773-8bbb-b359de052d48" providerId="ADAL" clId="{627235FA-4789-4DBE-B973-AF47620C0873}" dt="2023-02-17T12:01:51.840" v="329" actId="47"/>
+        <pc:sldMkLst>
+          <pc:docMk/>
+          <pc:sldMk cId="806179052" sldId="256"/>
+        </pc:sldMkLst>
+      </pc:sldChg>
+      <pc:sldChg chg="modSp new del mod">
+        <pc:chgData name="Baaij, Timo @ EMEA Industrial and Logistics" userId="c6be1d08-92b0-4773-8bbb-b359de052d48" providerId="ADAL" clId="{627235FA-4789-4DBE-B973-AF47620C0873}" dt="2023-02-17T12:03:37.940" v="341" actId="680"/>
+        <pc:sldMkLst>
+          <pc:docMk/>
+          <pc:sldMk cId="818596972" sldId="256"/>
+        </pc:sldMkLst>
+        <pc:spChg chg="mod">
+          <ac:chgData name="Baaij, Timo @ EMEA Industrial and Logistics" userId="c6be1d08-92b0-4773-8bbb-b359de052d48" providerId="ADAL" clId="{627235FA-4789-4DBE-B973-AF47620C0873}" dt="2023-02-17T12:03:37.098" v="340" actId="20577"/>
+          <ac:spMkLst>
+            <pc:docMk/>
+            <pc:sldMk cId="818596972" sldId="256"/>
+            <ac:spMk id="24" creationId="{40479984-D08E-40D1-8624-B374E5FD85F6}"/>
+          </ac:spMkLst>
+        </pc:spChg>
+      </pc:sldChg>
       <pc:sldChg chg="new del">
         <pc:chgData name="Baaij, Timo @ EMEA Industrial and Logistics" userId="c6be1d08-92b0-4773-8bbb-b359de052d48" providerId="ADAL" clId="{627235FA-4789-4DBE-B973-AF47620C0873}" dt="2023-02-15T09:36:40.350" v="62" actId="47"/>
         <pc:sldMkLst>
@@ -310,13 +332,13 @@
         </pc:sldMkLst>
       </pc:sldChg>
       <pc:sldMasterChg chg="modSldLayout">
-        <pc:chgData name="Baaij, Timo @ EMEA Industrial and Logistics" userId="c6be1d08-92b0-4773-8bbb-b359de052d48" providerId="ADAL" clId="{627235FA-4789-4DBE-B973-AF47620C0873}" dt="2023-02-17T11:52:05.805" v="326" actId="1076"/>
+        <pc:chgData name="Baaij, Timo @ EMEA Industrial and Logistics" userId="c6be1d08-92b0-4773-8bbb-b359de052d48" providerId="ADAL" clId="{627235FA-4789-4DBE-B973-AF47620C0873}" dt="2023-02-17T12:04:50.229" v="354" actId="14429"/>
         <pc:sldMasterMkLst>
           <pc:docMk/>
           <pc:sldMasterMk cId="1410729206" sldId="2147484549"/>
         </pc:sldMasterMkLst>
         <pc:sldLayoutChg chg="addSp delSp modSp mod">
-          <pc:chgData name="Baaij, Timo @ EMEA Industrial and Logistics" userId="c6be1d08-92b0-4773-8bbb-b359de052d48" providerId="ADAL" clId="{627235FA-4789-4DBE-B973-AF47620C0873}" dt="2023-02-17T11:52:05.805" v="326" actId="1076"/>
+          <pc:chgData name="Baaij, Timo @ EMEA Industrial and Logistics" userId="c6be1d08-92b0-4773-8bbb-b359de052d48" providerId="ADAL" clId="{627235FA-4789-4DBE-B973-AF47620C0873}" dt="2023-02-17T12:04:50.229" v="354" actId="14429"/>
           <pc:sldLayoutMkLst>
             <pc:docMk/>
             <pc:sldMasterMk cId="1410729206" sldId="2147484549"/>
@@ -439,8 +461,8 @@
               <ac:spMk id="5" creationId="{20A938CC-B75C-417B-9AA8-463A88797CF8}"/>
             </ac:spMkLst>
           </pc:spChg>
-          <pc:spChg chg="add mod">
-            <ac:chgData name="Baaij, Timo @ EMEA Industrial and Logistics" userId="c6be1d08-92b0-4773-8bbb-b359de052d48" providerId="ADAL" clId="{627235FA-4789-4DBE-B973-AF47620C0873}" dt="2023-02-17T11:52:05.805" v="326" actId="1076"/>
+          <pc:spChg chg="add mod modVis">
+            <ac:chgData name="Baaij, Timo @ EMEA Industrial and Logistics" userId="c6be1d08-92b0-4773-8bbb-b359de052d48" providerId="ADAL" clId="{627235FA-4789-4DBE-B973-AF47620C0873}" dt="2023-02-17T12:04:50.229" v="354" actId="14429"/>
             <ac:spMkLst>
               <pc:docMk/>
               <pc:sldMasterMk cId="1410729206" sldId="2147484549"/>
@@ -466,8 +488,8 @@
               <ac:spMk id="5" creationId="{D59669A9-F41C-4A1D-AAB1-8B024D4A2075}"/>
             </ac:spMkLst>
           </pc:spChg>
-          <pc:spChg chg="add mod">
-            <ac:chgData name="Baaij, Timo @ EMEA Industrial and Logistics" userId="c6be1d08-92b0-4773-8bbb-b359de052d48" providerId="ADAL" clId="{627235FA-4789-4DBE-B973-AF47620C0873}" dt="2023-02-17T11:52:02.094" v="325" actId="6549"/>
+          <pc:spChg chg="add mod ord modVis">
+            <ac:chgData name="Baaij, Timo @ EMEA Industrial and Logistics" userId="c6be1d08-92b0-4773-8bbb-b359de052d48" providerId="ADAL" clId="{627235FA-4789-4DBE-B973-AF47620C0873}" dt="2023-02-17T12:04:45.445" v="353" actId="166"/>
             <ac:spMkLst>
               <pc:docMk/>
               <pc:sldMasterMk cId="1410729206" sldId="2147484549"/>
@@ -5859,40 +5881,6 @@
       </p:sp>
       <p:sp>
         <p:nvSpPr>
-          <p:cNvPr id="6" name="Picture Placeholder 5">
-            <a:extLst>
-              <a:ext uri="{FF2B5EF4-FFF2-40B4-BE49-F238E27FC236}">
-                <a16:creationId xmlns:a16="http://schemas.microsoft.com/office/drawing/2014/main" id="{86A9E7CA-4078-417F-B643-C4AFC9383366}"/>
-              </a:ext>
-            </a:extLst>
-          </p:cNvPr>
-          <p:cNvSpPr>
-            <a:spLocks noGrp="1"/>
-          </p:cNvSpPr>
-          <p:nvPr>
-            <p:ph type="pic" sz="quarter" idx="33"/>
-          </p:nvPr>
-        </p:nvSpPr>
-        <p:spPr>
-          <a:xfrm>
-            <a:off x="496719" y="2824163"/>
-            <a:ext cx="1057275" cy="958850"/>
-          </a:xfrm>
-        </p:spPr>
-        <p:txBody>
-          <a:bodyPr/>
-          <a:lstStyle>
-            <a:lvl1pPr>
-              <a:defRPr/>
-            </a:lvl1pPr>
-          </a:lstStyle>
-          <a:p>
-            <a:endParaRPr lang="en-GB" dirty="0"/>
-          </a:p>
-        </p:txBody>
-      </p:sp>
-      <p:sp>
-        <p:nvSpPr>
           <p:cNvPr id="5" name="Text Placeholder 4">
             <a:extLst>
               <a:ext uri="{FF2B5EF4-FFF2-40B4-BE49-F238E27FC236}">
@@ -5927,6 +5915,40 @@
           </a:lstStyle>
           <a:p>
             <a:pPr lvl="0"/>
+            <a:endParaRPr lang="en-GB" dirty="0"/>
+          </a:p>
+        </p:txBody>
+      </p:sp>
+      <p:sp>
+        <p:nvSpPr>
+          <p:cNvPr id="6" name="Picture Placeholder 5">
+            <a:extLst>
+              <a:ext uri="{FF2B5EF4-FFF2-40B4-BE49-F238E27FC236}">
+                <a16:creationId xmlns:a16="http://schemas.microsoft.com/office/drawing/2014/main" id="{86A9E7CA-4078-417F-B643-C4AFC9383366}"/>
+              </a:ext>
+            </a:extLst>
+          </p:cNvPr>
+          <p:cNvSpPr>
+            <a:spLocks noGrp="1"/>
+          </p:cNvSpPr>
+          <p:nvPr>
+            <p:ph type="pic" sz="quarter" idx="33"/>
+          </p:nvPr>
+        </p:nvSpPr>
+        <p:spPr>
+          <a:xfrm>
+            <a:off x="496719" y="2824163"/>
+            <a:ext cx="1057275" cy="958850"/>
+          </a:xfrm>
+        </p:spPr>
+        <p:txBody>
+          <a:bodyPr/>
+          <a:lstStyle>
+            <a:lvl1pPr>
+              <a:defRPr/>
+            </a:lvl1pPr>
+          </a:lstStyle>
+          <a:p>
             <a:endParaRPr lang="en-GB" dirty="0"/>
           </a:p>
         </p:txBody>
@@ -6884,7 +6906,7 @@
 <file path=ppt/theme/theme1.xml><?xml version="1.0" encoding="utf-8"?>
 <a:theme xmlns:a="http://schemas.openxmlformats.org/drawingml/2006/main" name="1_MASTER">
   <a:themeElements>
-    <a:clrScheme name="Custom 157">
+    <a:clrScheme name="Custom 2">
       <a:dk1>
         <a:srgbClr val="425254"/>
       </a:dk1>
@@ -6916,7 +6938,7 @@
         <a:srgbClr val="003D30"/>
       </a:accent6>
       <a:hlink>
-        <a:srgbClr val="80BBAD"/>
+        <a:srgbClr val="FFFFFF"/>
       </a:hlink>
       <a:folHlink>
         <a:srgbClr val="D1D1D3"/>

--- a/static/template.pptx
+++ b/static/template.pptx
@@ -193,7 +193,7 @@
   <pc:docChgLst>
     <pc:chgData name="Baaij, Timo @ EMEA Industrial and Logistics" userId="c6be1d08-92b0-4773-8bbb-b359de052d48" providerId="ADAL" clId="{627235FA-4789-4DBE-B973-AF47620C0873}"/>
     <pc:docChg chg="undo custSel addSld delSld modSld modMainMaster delSection modSection">
-      <pc:chgData name="Baaij, Timo @ EMEA Industrial and Logistics" userId="c6be1d08-92b0-4773-8bbb-b359de052d48" providerId="ADAL" clId="{627235FA-4789-4DBE-B973-AF47620C0873}" dt="2023-02-17T12:04:50.229" v="354" actId="14429"/>
+      <pc:chgData name="Baaij, Timo @ EMEA Industrial and Logistics" userId="c6be1d08-92b0-4773-8bbb-b359de052d48" providerId="ADAL" clId="{627235FA-4789-4DBE-B973-AF47620C0873}" dt="2023-02-17T12:11:54.367" v="355" actId="13244"/>
       <pc:docMkLst>
         <pc:docMk/>
       </pc:docMkLst>
@@ -332,13 +332,13 @@
         </pc:sldMkLst>
       </pc:sldChg>
       <pc:sldMasterChg chg="modSldLayout">
-        <pc:chgData name="Baaij, Timo @ EMEA Industrial and Logistics" userId="c6be1d08-92b0-4773-8bbb-b359de052d48" providerId="ADAL" clId="{627235FA-4789-4DBE-B973-AF47620C0873}" dt="2023-02-17T12:04:50.229" v="354" actId="14429"/>
+        <pc:chgData name="Baaij, Timo @ EMEA Industrial and Logistics" userId="c6be1d08-92b0-4773-8bbb-b359de052d48" providerId="ADAL" clId="{627235FA-4789-4DBE-B973-AF47620C0873}" dt="2023-02-17T12:11:54.367" v="355" actId="13244"/>
         <pc:sldMasterMkLst>
           <pc:docMk/>
           <pc:sldMasterMk cId="1410729206" sldId="2147484549"/>
         </pc:sldMasterMkLst>
         <pc:sldLayoutChg chg="addSp delSp modSp mod">
-          <pc:chgData name="Baaij, Timo @ EMEA Industrial and Logistics" userId="c6be1d08-92b0-4773-8bbb-b359de052d48" providerId="ADAL" clId="{627235FA-4789-4DBE-B973-AF47620C0873}" dt="2023-02-17T12:04:50.229" v="354" actId="14429"/>
+          <pc:chgData name="Baaij, Timo @ EMEA Industrial and Logistics" userId="c6be1d08-92b0-4773-8bbb-b359de052d48" providerId="ADAL" clId="{627235FA-4789-4DBE-B973-AF47620C0873}" dt="2023-02-17T12:11:54.367" v="355" actId="13244"/>
           <pc:sldLayoutMkLst>
             <pc:docMk/>
             <pc:sldMasterMk cId="1410729206" sldId="2147484549"/>
@@ -461,8 +461,8 @@
               <ac:spMk id="5" creationId="{20A938CC-B75C-417B-9AA8-463A88797CF8}"/>
             </ac:spMkLst>
           </pc:spChg>
-          <pc:spChg chg="add mod modVis">
-            <ac:chgData name="Baaij, Timo @ EMEA Industrial and Logistics" userId="c6be1d08-92b0-4773-8bbb-b359de052d48" providerId="ADAL" clId="{627235FA-4789-4DBE-B973-AF47620C0873}" dt="2023-02-17T12:04:50.229" v="354" actId="14429"/>
+          <pc:spChg chg="add mod ord modVis">
+            <ac:chgData name="Baaij, Timo @ EMEA Industrial and Logistics" userId="c6be1d08-92b0-4773-8bbb-b359de052d48" providerId="ADAL" clId="{627235FA-4789-4DBE-B973-AF47620C0873}" dt="2023-02-17T12:11:54.367" v="355" actId="13244"/>
             <ac:spMkLst>
               <pc:docMk/>
               <pc:sldMasterMk cId="1410729206" sldId="2147484549"/>
@@ -5881,6 +5881,40 @@
       </p:sp>
       <p:sp>
         <p:nvSpPr>
+          <p:cNvPr id="6" name="Picture Placeholder 5">
+            <a:extLst>
+              <a:ext uri="{FF2B5EF4-FFF2-40B4-BE49-F238E27FC236}">
+                <a16:creationId xmlns:a16="http://schemas.microsoft.com/office/drawing/2014/main" id="{86A9E7CA-4078-417F-B643-C4AFC9383366}"/>
+              </a:ext>
+            </a:extLst>
+          </p:cNvPr>
+          <p:cNvSpPr>
+            <a:spLocks noGrp="1"/>
+          </p:cNvSpPr>
+          <p:nvPr>
+            <p:ph type="pic" sz="quarter" idx="33"/>
+          </p:nvPr>
+        </p:nvSpPr>
+        <p:spPr>
+          <a:xfrm>
+            <a:off x="496719" y="2824163"/>
+            <a:ext cx="1057275" cy="958850"/>
+          </a:xfrm>
+        </p:spPr>
+        <p:txBody>
+          <a:bodyPr/>
+          <a:lstStyle>
+            <a:lvl1pPr>
+              <a:defRPr/>
+            </a:lvl1pPr>
+          </a:lstStyle>
+          <a:p>
+            <a:endParaRPr lang="en-GB" dirty="0"/>
+          </a:p>
+        </p:txBody>
+      </p:sp>
+      <p:sp>
+        <p:nvSpPr>
           <p:cNvPr id="5" name="Text Placeholder 4">
             <a:extLst>
               <a:ext uri="{FF2B5EF4-FFF2-40B4-BE49-F238E27FC236}">
@@ -5915,40 +5949,6 @@
           </a:lstStyle>
           <a:p>
             <a:pPr lvl="0"/>
-            <a:endParaRPr lang="en-GB" dirty="0"/>
-          </a:p>
-        </p:txBody>
-      </p:sp>
-      <p:sp>
-        <p:nvSpPr>
-          <p:cNvPr id="6" name="Picture Placeholder 5">
-            <a:extLst>
-              <a:ext uri="{FF2B5EF4-FFF2-40B4-BE49-F238E27FC236}">
-                <a16:creationId xmlns:a16="http://schemas.microsoft.com/office/drawing/2014/main" id="{86A9E7CA-4078-417F-B643-C4AFC9383366}"/>
-              </a:ext>
-            </a:extLst>
-          </p:cNvPr>
-          <p:cNvSpPr>
-            <a:spLocks noGrp="1"/>
-          </p:cNvSpPr>
-          <p:nvPr>
-            <p:ph type="pic" sz="quarter" idx="33"/>
-          </p:nvPr>
-        </p:nvSpPr>
-        <p:spPr>
-          <a:xfrm>
-            <a:off x="496719" y="2824163"/>
-            <a:ext cx="1057275" cy="958850"/>
-          </a:xfrm>
-        </p:spPr>
-        <p:txBody>
-          <a:bodyPr/>
-          <a:lstStyle>
-            <a:lvl1pPr>
-              <a:defRPr/>
-            </a:lvl1pPr>
-          </a:lstStyle>
-          <a:p>
             <a:endParaRPr lang="en-GB" dirty="0"/>
           </a:p>
         </p:txBody>

--- a/static/template.pptx
+++ b/static/template.pptx
@@ -5,11 +5,14 @@
     <p:sldMasterId id="2147484549" r:id="rId1"/>
   </p:sldMasterIdLst>
   <p:notesMasterIdLst>
-    <p:notesMasterId r:id="rId2"/>
+    <p:notesMasterId r:id="rId3"/>
   </p:notesMasterIdLst>
   <p:handoutMasterIdLst>
-    <p:handoutMasterId r:id="rId3"/>
+    <p:handoutMasterId r:id="rId4"/>
   </p:handoutMasterIdLst>
+  <p:sldIdLst>
+    <p:sldId id="256" r:id="rId2"/>
+  </p:sldIdLst>
   <p:sldSz cx="12192000" cy="6858000"/>
   <p:notesSz cx="6858000" cy="9144000"/>
   <p:defaultTextStyle>
@@ -184,6 +187,7 @@
 <p1510:revInfo xmlns:a="http://schemas.openxmlformats.org/drawingml/2006/main" xmlns:r="http://schemas.openxmlformats.org/officeDocument/2006/relationships" xmlns:p1510="http://schemas.microsoft.com/office/powerpoint/2015/10/main">
   <p1510:revLst>
     <p1510:client id="{627235FA-4789-4DBE-B973-AF47620C0873}" v="124" dt="2023-02-17T12:03:23.606"/>
+    <p1510:client id="{F15839A0-B571-4829-8B94-EBABC6814D3D}" v="6" dt="2023-02-17T12:26:33.883"/>
   </p1510:revLst>
 </p1510:revInfo>
 </file>
@@ -191,602 +195,27 @@
 <file path=ppt/changesInfos/changesInfo1.xml><?xml version="1.0" encoding="utf-8"?>
 <pc:chgInfo xmlns:a="http://schemas.openxmlformats.org/drawingml/2006/main" xmlns:r="http://schemas.openxmlformats.org/officeDocument/2006/relationships" xmlns:ac="http://schemas.microsoft.com/office/drawing/2013/main/command" xmlns:pc="http://schemas.microsoft.com/office/powerpoint/2013/main/command">
   <pc:docChgLst>
-    <pc:chgData name="Baaij, Timo @ EMEA Industrial and Logistics" userId="c6be1d08-92b0-4773-8bbb-b359de052d48" providerId="ADAL" clId="{627235FA-4789-4DBE-B973-AF47620C0873}"/>
-    <pc:docChg chg="undo custSel addSld delSld modSld modMainMaster delSection modSection">
-      <pc:chgData name="Baaij, Timo @ EMEA Industrial and Logistics" userId="c6be1d08-92b0-4773-8bbb-b359de052d48" providerId="ADAL" clId="{627235FA-4789-4DBE-B973-AF47620C0873}" dt="2023-02-17T12:11:54.367" v="355" actId="13244"/>
+    <pc:chgData name="Baaij, Timo @ EMEA Industrial and Logistics" userId="c6be1d08-92b0-4773-8bbb-b359de052d48" providerId="ADAL" clId="{F15839A0-B571-4829-8B94-EBABC6814D3D}"/>
+    <pc:docChg chg="undo custSel addSld modSld">
+      <pc:chgData name="Baaij, Timo @ EMEA Industrial and Logistics" userId="c6be1d08-92b0-4773-8bbb-b359de052d48" providerId="ADAL" clId="{F15839A0-B571-4829-8B94-EBABC6814D3D}" dt="2023-02-17T12:27:49.833" v="109" actId="20577"/>
       <pc:docMkLst>
         <pc:docMk/>
       </pc:docMkLst>
-      <pc:sldChg chg="new del">
-        <pc:chgData name="Baaij, Timo @ EMEA Industrial and Logistics" userId="c6be1d08-92b0-4773-8bbb-b359de052d48" providerId="ADAL" clId="{627235FA-4789-4DBE-B973-AF47620C0873}" dt="2023-02-17T12:01:51.840" v="329" actId="47"/>
+      <pc:sldChg chg="modSp new mod">
+        <pc:chgData name="Baaij, Timo @ EMEA Industrial and Logistics" userId="c6be1d08-92b0-4773-8bbb-b359de052d48" providerId="ADAL" clId="{F15839A0-B571-4829-8B94-EBABC6814D3D}" dt="2023-02-17T12:27:49.833" v="109" actId="20577"/>
         <pc:sldMkLst>
           <pc:docMk/>
-          <pc:sldMk cId="806179052" sldId="256"/>
-        </pc:sldMkLst>
-      </pc:sldChg>
-      <pc:sldChg chg="modSp new del mod">
-        <pc:chgData name="Baaij, Timo @ EMEA Industrial and Logistics" userId="c6be1d08-92b0-4773-8bbb-b359de052d48" providerId="ADAL" clId="{627235FA-4789-4DBE-B973-AF47620C0873}" dt="2023-02-17T12:03:37.940" v="341" actId="680"/>
-        <pc:sldMkLst>
-          <pc:docMk/>
-          <pc:sldMk cId="818596972" sldId="256"/>
+          <pc:sldMk cId="3739695006" sldId="256"/>
         </pc:sldMkLst>
         <pc:spChg chg="mod">
-          <ac:chgData name="Baaij, Timo @ EMEA Industrial and Logistics" userId="c6be1d08-92b0-4773-8bbb-b359de052d48" providerId="ADAL" clId="{627235FA-4789-4DBE-B973-AF47620C0873}" dt="2023-02-17T12:03:37.098" v="340" actId="20577"/>
+          <ac:chgData name="Baaij, Timo @ EMEA Industrial and Logistics" userId="c6be1d08-92b0-4773-8bbb-b359de052d48" providerId="ADAL" clId="{F15839A0-B571-4829-8B94-EBABC6814D3D}" dt="2023-02-17T12:27:49.833" v="109" actId="20577"/>
           <ac:spMkLst>
             <pc:docMk/>
-            <pc:sldMk cId="818596972" sldId="256"/>
-            <ac:spMk id="24" creationId="{40479984-D08E-40D1-8624-B374E5FD85F6}"/>
+            <pc:sldMk cId="3739695006" sldId="256"/>
+            <ac:spMk id="24" creationId="{72025521-D9B3-406A-81FA-ED22015DD72A}"/>
           </ac:spMkLst>
         </pc:spChg>
       </pc:sldChg>
-      <pc:sldChg chg="new del">
-        <pc:chgData name="Baaij, Timo @ EMEA Industrial and Logistics" userId="c6be1d08-92b0-4773-8bbb-b359de052d48" providerId="ADAL" clId="{627235FA-4789-4DBE-B973-AF47620C0873}" dt="2023-02-15T09:36:40.350" v="62" actId="47"/>
-        <pc:sldMkLst>
-          <pc:docMk/>
-          <pc:sldMk cId="1163639533" sldId="256"/>
-        </pc:sldMkLst>
-      </pc:sldChg>
-      <pc:sldChg chg="addSp delSp modSp new del mod">
-        <pc:chgData name="Baaij, Timo @ EMEA Industrial and Logistics" userId="c6be1d08-92b0-4773-8bbb-b359de052d48" providerId="ADAL" clId="{627235FA-4789-4DBE-B973-AF47620C0873}" dt="2023-02-16T20:34:07.842" v="229" actId="47"/>
-        <pc:sldMkLst>
-          <pc:docMk/>
-          <pc:sldMk cId="1880133673" sldId="256"/>
-        </pc:sldMkLst>
-        <pc:spChg chg="del">
-          <ac:chgData name="Baaij, Timo @ EMEA Industrial and Logistics" userId="c6be1d08-92b0-4773-8bbb-b359de052d48" providerId="ADAL" clId="{627235FA-4789-4DBE-B973-AF47620C0873}" dt="2023-02-16T20:33:53.842" v="225" actId="931"/>
-          <ac:spMkLst>
-            <pc:docMk/>
-            <pc:sldMk cId="1880133673" sldId="256"/>
-            <ac:spMk id="24" creationId="{FAC2D9AC-27B4-4E3E-B193-C51155AC13CF}"/>
-          </ac:spMkLst>
-        </pc:spChg>
-        <pc:spChg chg="add mod">
-          <ac:chgData name="Baaij, Timo @ EMEA Industrial and Logistics" userId="c6be1d08-92b0-4773-8bbb-b359de052d48" providerId="ADAL" clId="{627235FA-4789-4DBE-B973-AF47620C0873}" dt="2023-02-16T20:34:04.835" v="228" actId="478"/>
-          <ac:spMkLst>
-            <pc:docMk/>
-            <pc:sldMk cId="1880133673" sldId="256"/>
-            <ac:spMk id="28" creationId="{B8F519BD-45F4-4AF2-8D46-9FC625064884}"/>
-          </ac:spMkLst>
-        </pc:spChg>
-        <pc:picChg chg="add del mod">
-          <ac:chgData name="Baaij, Timo @ EMEA Industrial and Logistics" userId="c6be1d08-92b0-4773-8bbb-b359de052d48" providerId="ADAL" clId="{627235FA-4789-4DBE-B973-AF47620C0873}" dt="2023-02-16T20:34:04.835" v="228" actId="478"/>
-          <ac:picMkLst>
-            <pc:docMk/>
-            <pc:sldMk cId="1880133673" sldId="256"/>
-            <ac:picMk id="26" creationId="{3EB55811-A292-44D4-8348-51411B88B997}"/>
-          </ac:picMkLst>
-        </pc:picChg>
-      </pc:sldChg>
-      <pc:sldChg chg="new del">
-        <pc:chgData name="Baaij, Timo @ EMEA Industrial and Logistics" userId="c6be1d08-92b0-4773-8bbb-b359de052d48" providerId="ADAL" clId="{627235FA-4789-4DBE-B973-AF47620C0873}" dt="2023-02-16T15:55:54.055" v="171" actId="47"/>
-        <pc:sldMkLst>
-          <pc:docMk/>
-          <pc:sldMk cId="2050583660" sldId="256"/>
-        </pc:sldMkLst>
-      </pc:sldChg>
-      <pc:sldChg chg="new del">
-        <pc:chgData name="Baaij, Timo @ EMEA Industrial and Logistics" userId="c6be1d08-92b0-4773-8bbb-b359de052d48" providerId="ADAL" clId="{627235FA-4789-4DBE-B973-AF47620C0873}" dt="2023-02-16T16:18:34.594" v="199" actId="47"/>
-        <pc:sldMkLst>
-          <pc:docMk/>
-          <pc:sldMk cId="2496305747" sldId="256"/>
-        </pc:sldMkLst>
-      </pc:sldChg>
-      <pc:sldChg chg="modSp new del mod">
-        <pc:chgData name="Baaij, Timo @ EMEA Industrial and Logistics" userId="c6be1d08-92b0-4773-8bbb-b359de052d48" providerId="ADAL" clId="{627235FA-4789-4DBE-B973-AF47620C0873}" dt="2023-02-17T11:52:18.170" v="327" actId="47"/>
-        <pc:sldMkLst>
-          <pc:docMk/>
-          <pc:sldMk cId="2800192164" sldId="256"/>
-        </pc:sldMkLst>
-        <pc:spChg chg="mod">
-          <ac:chgData name="Baaij, Timo @ EMEA Industrial and Logistics" userId="c6be1d08-92b0-4773-8bbb-b359de052d48" providerId="ADAL" clId="{627235FA-4789-4DBE-B973-AF47620C0873}" dt="2023-02-17T11:51:14.865" v="317" actId="2085"/>
-          <ac:spMkLst>
-            <pc:docMk/>
-            <pc:sldMk cId="2800192164" sldId="256"/>
-            <ac:spMk id="24" creationId="{B3945BE0-376E-47B2-8E51-BE8523092A46}"/>
-          </ac:spMkLst>
-        </pc:spChg>
-      </pc:sldChg>
-      <pc:sldChg chg="modSp new del mod">
-        <pc:chgData name="Baaij, Timo @ EMEA Industrial and Logistics" userId="c6be1d08-92b0-4773-8bbb-b359de052d48" providerId="ADAL" clId="{627235FA-4789-4DBE-B973-AF47620C0873}" dt="2023-02-15T08:59:54.900" v="37" actId="47"/>
-        <pc:sldMkLst>
-          <pc:docMk/>
-          <pc:sldMk cId="3090452020" sldId="256"/>
-        </pc:sldMkLst>
-        <pc:spChg chg="mod">
-          <ac:chgData name="Baaij, Timo @ EMEA Industrial and Logistics" userId="c6be1d08-92b0-4773-8bbb-b359de052d48" providerId="ADAL" clId="{627235FA-4789-4DBE-B973-AF47620C0873}" dt="2023-02-15T08:59:17.633" v="24" actId="465"/>
-          <ac:spMkLst>
-            <pc:docMk/>
-            <pc:sldMk cId="3090452020" sldId="256"/>
-            <ac:spMk id="3" creationId="{C97C8655-D69B-439D-92C0-20B02C112E21}"/>
-          </ac:spMkLst>
-        </pc:spChg>
-        <pc:spChg chg="mod">
-          <ac:chgData name="Baaij, Timo @ EMEA Industrial and Logistics" userId="c6be1d08-92b0-4773-8bbb-b359de052d48" providerId="ADAL" clId="{627235FA-4789-4DBE-B973-AF47620C0873}" dt="2023-02-15T08:59:17.633" v="24" actId="465"/>
-          <ac:spMkLst>
-            <pc:docMk/>
-            <pc:sldMk cId="3090452020" sldId="256"/>
-            <ac:spMk id="4" creationId="{37846D02-2D2C-4B70-9B0C-540C58ED6971}"/>
-          </ac:spMkLst>
-        </pc:spChg>
-        <pc:spChg chg="mod">
-          <ac:chgData name="Baaij, Timo @ EMEA Industrial and Logistics" userId="c6be1d08-92b0-4773-8bbb-b359de052d48" providerId="ADAL" clId="{627235FA-4789-4DBE-B973-AF47620C0873}" dt="2023-02-15T08:59:06.498" v="23" actId="1036"/>
-          <ac:spMkLst>
-            <pc:docMk/>
-            <pc:sldMk cId="3090452020" sldId="256"/>
-            <ac:spMk id="5" creationId="{EC3EE205-DCDE-4E49-9084-EB65A798868F}"/>
-          </ac:spMkLst>
-        </pc:spChg>
-      </pc:sldChg>
-      <pc:sldChg chg="new del">
-        <pc:chgData name="Baaij, Timo @ EMEA Industrial and Logistics" userId="c6be1d08-92b0-4773-8bbb-b359de052d48" providerId="ADAL" clId="{627235FA-4789-4DBE-B973-AF47620C0873}" dt="2023-02-15T09:00:20.164" v="39" actId="47"/>
-        <pc:sldMkLst>
-          <pc:docMk/>
-          <pc:sldMk cId="3196606131" sldId="256"/>
-        </pc:sldMkLst>
-      </pc:sldChg>
-      <pc:sldChg chg="del">
-        <pc:chgData name="Baaij, Timo @ EMEA Industrial and Logistics" userId="c6be1d08-92b0-4773-8bbb-b359de052d48" providerId="ADAL" clId="{627235FA-4789-4DBE-B973-AF47620C0873}" dt="2023-02-15T08:56:00.897" v="0" actId="47"/>
-        <pc:sldMkLst>
-          <pc:docMk/>
-          <pc:sldMk cId="2908934221" sldId="2076137642"/>
-        </pc:sldMkLst>
-      </pc:sldChg>
-      <pc:sldMasterChg chg="modSldLayout">
-        <pc:chgData name="Baaij, Timo @ EMEA Industrial and Logistics" userId="c6be1d08-92b0-4773-8bbb-b359de052d48" providerId="ADAL" clId="{627235FA-4789-4DBE-B973-AF47620C0873}" dt="2023-02-17T12:11:54.367" v="355" actId="13244"/>
-        <pc:sldMasterMkLst>
-          <pc:docMk/>
-          <pc:sldMasterMk cId="1410729206" sldId="2147484549"/>
-        </pc:sldMasterMkLst>
-        <pc:sldLayoutChg chg="addSp delSp modSp mod">
-          <pc:chgData name="Baaij, Timo @ EMEA Industrial and Logistics" userId="c6be1d08-92b0-4773-8bbb-b359de052d48" providerId="ADAL" clId="{627235FA-4789-4DBE-B973-AF47620C0873}" dt="2023-02-17T12:11:54.367" v="355" actId="13244"/>
-          <pc:sldLayoutMkLst>
-            <pc:docMk/>
-            <pc:sldMasterMk cId="1410729206" sldId="2147484549"/>
-            <pc:sldLayoutMk cId="1335358555" sldId="2147484568"/>
-          </pc:sldLayoutMkLst>
-          <pc:spChg chg="add del">
-            <ac:chgData name="Baaij, Timo @ EMEA Industrial and Logistics" userId="c6be1d08-92b0-4773-8bbb-b359de052d48" providerId="ADAL" clId="{627235FA-4789-4DBE-B973-AF47620C0873}" dt="2023-02-16T17:36:12.937" v="218" actId="11529"/>
-            <ac:spMkLst>
-              <pc:docMk/>
-              <pc:sldMasterMk cId="1410729206" sldId="2147484549"/>
-              <pc:sldLayoutMk cId="1335358555" sldId="2147484568"/>
-              <ac:spMk id="2" creationId="{0A1960FE-6304-4A1B-9D7C-199BB7814DCC}"/>
-            </ac:spMkLst>
-          </pc:spChg>
-          <pc:spChg chg="add del">
-            <ac:chgData name="Baaij, Timo @ EMEA Industrial and Logistics" userId="c6be1d08-92b0-4773-8bbb-b359de052d48" providerId="ADAL" clId="{627235FA-4789-4DBE-B973-AF47620C0873}" dt="2023-02-17T11:03:39.004" v="243" actId="11529"/>
-            <ac:spMkLst>
-              <pc:docMk/>
-              <pc:sldMasterMk cId="1410729206" sldId="2147484549"/>
-              <pc:sldLayoutMk cId="1335358555" sldId="2147484568"/>
-              <ac:spMk id="2" creationId="{23FB4D40-E260-4F41-AB38-F36C80145D9A}"/>
-            </ac:spMkLst>
-          </pc:spChg>
-          <pc:spChg chg="add del">
-            <ac:chgData name="Baaij, Timo @ EMEA Industrial and Logistics" userId="c6be1d08-92b0-4773-8bbb-b359de052d48" providerId="ADAL" clId="{627235FA-4789-4DBE-B973-AF47620C0873}" dt="2023-02-16T20:32:54.006" v="222" actId="11529"/>
-            <ac:spMkLst>
-              <pc:docMk/>
-              <pc:sldMasterMk cId="1410729206" sldId="2147484549"/>
-              <pc:sldLayoutMk cId="1335358555" sldId="2147484568"/>
-              <ac:spMk id="2" creationId="{3269A9E8-03FC-4534-A25D-3866634041DF}"/>
-            </ac:spMkLst>
-          </pc:spChg>
-          <pc:spChg chg="add del">
-            <ac:chgData name="Baaij, Timo @ EMEA Industrial and Logistics" userId="c6be1d08-92b0-4773-8bbb-b359de052d48" providerId="ADAL" clId="{627235FA-4789-4DBE-B973-AF47620C0873}" dt="2023-02-15T09:33:39.659" v="42" actId="11529"/>
-            <ac:spMkLst>
-              <pc:docMk/>
-              <pc:sldMasterMk cId="1410729206" sldId="2147484549"/>
-              <pc:sldLayoutMk cId="1335358555" sldId="2147484568"/>
-              <ac:spMk id="2" creationId="{7956BFB4-33D6-4B43-91BD-91C0221E3041}"/>
-            </ac:spMkLst>
-          </pc:spChg>
-          <pc:spChg chg="add del">
-            <ac:chgData name="Baaij, Timo @ EMEA Industrial and Logistics" userId="c6be1d08-92b0-4773-8bbb-b359de052d48" providerId="ADAL" clId="{627235FA-4789-4DBE-B973-AF47620C0873}" dt="2023-02-15T10:31:41.117" v="92" actId="11529"/>
-            <ac:spMkLst>
-              <pc:docMk/>
-              <pc:sldMasterMk cId="1410729206" sldId="2147484549"/>
-              <pc:sldLayoutMk cId="1335358555" sldId="2147484568"/>
-              <ac:spMk id="2" creationId="{8CEB87AB-AB3B-4506-B116-4035C2FC0AC0}"/>
-            </ac:spMkLst>
-          </pc:spChg>
-          <pc:spChg chg="add del">
-            <ac:chgData name="Baaij, Timo @ EMEA Industrial and Logistics" userId="c6be1d08-92b0-4773-8bbb-b359de052d48" providerId="ADAL" clId="{627235FA-4789-4DBE-B973-AF47620C0873}" dt="2023-02-15T10:27:10.434" v="83" actId="11529"/>
-            <ac:spMkLst>
-              <pc:docMk/>
-              <pc:sldMasterMk cId="1410729206" sldId="2147484549"/>
-              <pc:sldLayoutMk cId="1335358555" sldId="2147484568"/>
-              <ac:spMk id="2" creationId="{B682D975-FC13-4C37-9892-485FE384A9FF}"/>
-            </ac:spMkLst>
-          </pc:spChg>
-          <pc:spChg chg="add del">
-            <ac:chgData name="Baaij, Timo @ EMEA Industrial and Logistics" userId="c6be1d08-92b0-4773-8bbb-b359de052d48" providerId="ADAL" clId="{627235FA-4789-4DBE-B973-AF47620C0873}" dt="2023-02-16T15:57:29.416" v="189" actId="11529"/>
-            <ac:spMkLst>
-              <pc:docMk/>
-              <pc:sldMasterMk cId="1410729206" sldId="2147484549"/>
-              <pc:sldLayoutMk cId="1335358555" sldId="2147484568"/>
-              <ac:spMk id="2" creationId="{E29D108F-4CA2-4E27-BABB-4D69C38C29B4}"/>
-            </ac:spMkLst>
-          </pc:spChg>
-          <pc:spChg chg="add del">
-            <ac:chgData name="Baaij, Timo @ EMEA Industrial and Logistics" userId="c6be1d08-92b0-4773-8bbb-b359de052d48" providerId="ADAL" clId="{627235FA-4789-4DBE-B973-AF47620C0873}" dt="2023-02-15T10:21:28.010" v="80" actId="11529"/>
-            <ac:spMkLst>
-              <pc:docMk/>
-              <pc:sldMasterMk cId="1410729206" sldId="2147484549"/>
-              <pc:sldLayoutMk cId="1335358555" sldId="2147484568"/>
-              <ac:spMk id="2" creationId="{FA813101-D0CF-4C68-B34F-6E03705A1728}"/>
-            </ac:spMkLst>
-          </pc:spChg>
-          <pc:spChg chg="add mod">
-            <ac:chgData name="Baaij, Timo @ EMEA Industrial and Logistics" userId="c6be1d08-92b0-4773-8bbb-b359de052d48" providerId="ADAL" clId="{627235FA-4789-4DBE-B973-AF47620C0873}" dt="2023-02-15T12:52:16.824" v="127" actId="962"/>
-            <ac:spMkLst>
-              <pc:docMk/>
-              <pc:sldMasterMk cId="1410729206" sldId="2147484549"/>
-              <pc:sldLayoutMk cId="1335358555" sldId="2147484568"/>
-              <ac:spMk id="3" creationId="{56692469-015C-43B6-88B9-E306739A9635}"/>
-            </ac:spMkLst>
-          </pc:spChg>
-          <pc:spChg chg="del mod">
-            <ac:chgData name="Baaij, Timo @ EMEA Industrial and Logistics" userId="c6be1d08-92b0-4773-8bbb-b359de052d48" providerId="ADAL" clId="{627235FA-4789-4DBE-B973-AF47620C0873}" dt="2023-02-15T10:09:45.453" v="63" actId="21"/>
-            <ac:spMkLst>
-              <pc:docMk/>
-              <pc:sldMasterMk cId="1410729206" sldId="2147484549"/>
-              <pc:sldLayoutMk cId="1335358555" sldId="2147484568"/>
-              <ac:spMk id="3" creationId="{A94DE2CC-3F12-4196-BD76-25396A6E0A5F}"/>
-            </ac:spMkLst>
-          </pc:spChg>
-          <pc:spChg chg="add del mod">
-            <ac:chgData name="Baaij, Timo @ EMEA Industrial and Logistics" userId="c6be1d08-92b0-4773-8bbb-b359de052d48" providerId="ADAL" clId="{627235FA-4789-4DBE-B973-AF47620C0873}" dt="2023-02-15T10:27:15.597" v="85" actId="478"/>
-            <ac:spMkLst>
-              <pc:docMk/>
-              <pc:sldMasterMk cId="1410729206" sldId="2147484549"/>
-              <pc:sldLayoutMk cId="1335358555" sldId="2147484568"/>
-              <ac:spMk id="3" creationId="{FB426B42-B64C-452E-BB46-5BAA9F8A9AFA}"/>
-            </ac:spMkLst>
-          </pc:spChg>
-          <pc:spChg chg="add mod">
-            <ac:chgData name="Baaij, Timo @ EMEA Industrial and Logistics" userId="c6be1d08-92b0-4773-8bbb-b359de052d48" providerId="ADAL" clId="{627235FA-4789-4DBE-B973-AF47620C0873}" dt="2023-02-15T12:52:28.489" v="128" actId="962"/>
-            <ac:spMkLst>
-              <pc:docMk/>
-              <pc:sldMasterMk cId="1410729206" sldId="2147484549"/>
-              <pc:sldLayoutMk cId="1335358555" sldId="2147484568"/>
-              <ac:spMk id="4" creationId="{0184E6E5-317A-4304-B2E1-0D86653ABC5B}"/>
-            </ac:spMkLst>
-          </pc:spChg>
-          <pc:spChg chg="add del mod">
-            <ac:chgData name="Baaij, Timo @ EMEA Industrial and Logistics" userId="c6be1d08-92b0-4773-8bbb-b359de052d48" providerId="ADAL" clId="{627235FA-4789-4DBE-B973-AF47620C0873}" dt="2023-02-16T20:43:31.564" v="234" actId="478"/>
-            <ac:spMkLst>
-              <pc:docMk/>
-              <pc:sldMasterMk cId="1410729206" sldId="2147484549"/>
-              <pc:sldLayoutMk cId="1335358555" sldId="2147484568"/>
-              <ac:spMk id="5" creationId="{20A938CC-B75C-417B-9AA8-463A88797CF8}"/>
-            </ac:spMkLst>
-          </pc:spChg>
-          <pc:spChg chg="add mod ord modVis">
-            <ac:chgData name="Baaij, Timo @ EMEA Industrial and Logistics" userId="c6be1d08-92b0-4773-8bbb-b359de052d48" providerId="ADAL" clId="{627235FA-4789-4DBE-B973-AF47620C0873}" dt="2023-02-17T12:11:54.367" v="355" actId="13244"/>
-            <ac:spMkLst>
-              <pc:docMk/>
-              <pc:sldMasterMk cId="1410729206" sldId="2147484549"/>
-              <pc:sldLayoutMk cId="1335358555" sldId="2147484568"/>
-              <ac:spMk id="5" creationId="{A523F6E3-510F-4DF7-B94B-47596E2BA8DB}"/>
-            </ac:spMkLst>
-          </pc:spChg>
-          <pc:spChg chg="add del mod">
-            <ac:chgData name="Baaij, Timo @ EMEA Industrial and Logistics" userId="c6be1d08-92b0-4773-8bbb-b359de052d48" providerId="ADAL" clId="{627235FA-4789-4DBE-B973-AF47620C0873}" dt="2023-02-15T10:31:28.621" v="90" actId="478"/>
-            <ac:spMkLst>
-              <pc:docMk/>
-              <pc:sldMasterMk cId="1410729206" sldId="2147484549"/>
-              <pc:sldLayoutMk cId="1335358555" sldId="2147484568"/>
-              <ac:spMk id="5" creationId="{D5772B70-9741-4B25-BC36-225E13F21717}"/>
-            </ac:spMkLst>
-          </pc:spChg>
-          <pc:spChg chg="add del mod">
-            <ac:chgData name="Baaij, Timo @ EMEA Industrial and Logistics" userId="c6be1d08-92b0-4773-8bbb-b359de052d48" providerId="ADAL" clId="{627235FA-4789-4DBE-B973-AF47620C0873}" dt="2023-02-16T15:57:37.347" v="190" actId="478"/>
-            <ac:spMkLst>
-              <pc:docMk/>
-              <pc:sldMasterMk cId="1410729206" sldId="2147484549"/>
-              <pc:sldLayoutMk cId="1335358555" sldId="2147484568"/>
-              <ac:spMk id="5" creationId="{D59669A9-F41C-4A1D-AAB1-8B024D4A2075}"/>
-            </ac:spMkLst>
-          </pc:spChg>
-          <pc:spChg chg="add mod ord modVis">
-            <ac:chgData name="Baaij, Timo @ EMEA Industrial and Logistics" userId="c6be1d08-92b0-4773-8bbb-b359de052d48" providerId="ADAL" clId="{627235FA-4789-4DBE-B973-AF47620C0873}" dt="2023-02-17T12:04:45.445" v="353" actId="166"/>
-            <ac:spMkLst>
-              <pc:docMk/>
-              <pc:sldMasterMk cId="1410729206" sldId="2147484549"/>
-              <pc:sldLayoutMk cId="1335358555" sldId="2147484568"/>
-              <ac:spMk id="6" creationId="{86A9E7CA-4078-417F-B643-C4AFC9383366}"/>
-            </ac:spMkLst>
-          </pc:spChg>
-          <pc:spChg chg="add del mod">
-            <ac:chgData name="Baaij, Timo @ EMEA Industrial and Logistics" userId="c6be1d08-92b0-4773-8bbb-b359de052d48" providerId="ADAL" clId="{627235FA-4789-4DBE-B973-AF47620C0873}" dt="2023-02-15T10:09:45.453" v="63" actId="21"/>
-            <ac:spMkLst>
-              <pc:docMk/>
-              <pc:sldMasterMk cId="1410729206" sldId="2147484549"/>
-              <pc:sldLayoutMk cId="1335358555" sldId="2147484568"/>
-              <ac:spMk id="6" creationId="{D1AF562D-39D9-4025-AFC0-3AAE43CFD2F4}"/>
-            </ac:spMkLst>
-          </pc:spChg>
-          <pc:spChg chg="add del mod">
-            <ac:chgData name="Baaij, Timo @ EMEA Industrial and Logistics" userId="c6be1d08-92b0-4773-8bbb-b359de052d48" providerId="ADAL" clId="{627235FA-4789-4DBE-B973-AF47620C0873}" dt="2023-02-15T10:09:45.453" v="63" actId="21"/>
-            <ac:spMkLst>
-              <pc:docMk/>
-              <pc:sldMasterMk cId="1410729206" sldId="2147484549"/>
-              <pc:sldLayoutMk cId="1335358555" sldId="2147484568"/>
-              <ac:spMk id="7" creationId="{512FD6AA-829B-4F77-B5DD-E961C4210A04}"/>
-            </ac:spMkLst>
-          </pc:spChg>
-          <pc:spChg chg="add del mod">
-            <ac:chgData name="Baaij, Timo @ EMEA Industrial and Logistics" userId="c6be1d08-92b0-4773-8bbb-b359de052d48" providerId="ADAL" clId="{627235FA-4789-4DBE-B973-AF47620C0873}" dt="2023-02-15T10:09:45.453" v="63" actId="21"/>
-            <ac:spMkLst>
-              <pc:docMk/>
-              <pc:sldMasterMk cId="1410729206" sldId="2147484549"/>
-              <pc:sldLayoutMk cId="1335358555" sldId="2147484568"/>
-              <ac:spMk id="8" creationId="{D0376FD8-5CE5-4A14-BFA9-466CC4CA109E}"/>
-            </ac:spMkLst>
-          </pc:spChg>
-          <pc:spChg chg="add mod modVis">
-            <ac:chgData name="Baaij, Timo @ EMEA Industrial and Logistics" userId="c6be1d08-92b0-4773-8bbb-b359de052d48" providerId="ADAL" clId="{627235FA-4789-4DBE-B973-AF47620C0873}" dt="2023-02-15T12:52:33.059" v="129" actId="962"/>
-            <ac:spMkLst>
-              <pc:docMk/>
-              <pc:sldMasterMk cId="1410729206" sldId="2147484549"/>
-              <pc:sldLayoutMk cId="1335358555" sldId="2147484568"/>
-              <ac:spMk id="10" creationId="{B6BD1265-1082-44F7-890F-C7E6165ADDA4}"/>
-            </ac:spMkLst>
-          </pc:spChg>
-          <pc:spChg chg="add mod">
-            <ac:chgData name="Baaij, Timo @ EMEA Industrial and Logistics" userId="c6be1d08-92b0-4773-8bbb-b359de052d48" providerId="ADAL" clId="{627235FA-4789-4DBE-B973-AF47620C0873}" dt="2023-02-15T12:52:39.043" v="130" actId="962"/>
-            <ac:spMkLst>
-              <pc:docMk/>
-              <pc:sldMasterMk cId="1410729206" sldId="2147484549"/>
-              <pc:sldLayoutMk cId="1335358555" sldId="2147484568"/>
-              <ac:spMk id="11" creationId="{8924A23E-5CEC-4F63-AE93-08DAC7D9FA7D}"/>
-            </ac:spMkLst>
-          </pc:spChg>
-          <pc:spChg chg="add mod">
-            <ac:chgData name="Baaij, Timo @ EMEA Industrial and Logistics" userId="c6be1d08-92b0-4773-8bbb-b359de052d48" providerId="ADAL" clId="{627235FA-4789-4DBE-B973-AF47620C0873}" dt="2023-02-15T12:52:43.267" v="131" actId="962"/>
-            <ac:spMkLst>
-              <pc:docMk/>
-              <pc:sldMasterMk cId="1410729206" sldId="2147484549"/>
-              <pc:sldLayoutMk cId="1335358555" sldId="2147484568"/>
-              <ac:spMk id="12" creationId="{1730F208-4C47-4FEE-A446-BC9E72047242}"/>
-            </ac:spMkLst>
-          </pc:spChg>
-          <pc:spChg chg="add mod">
-            <ac:chgData name="Baaij, Timo @ EMEA Industrial and Logistics" userId="c6be1d08-92b0-4773-8bbb-b359de052d48" providerId="ADAL" clId="{627235FA-4789-4DBE-B973-AF47620C0873}" dt="2023-02-15T12:52:51.082" v="132" actId="962"/>
-            <ac:spMkLst>
-              <pc:docMk/>
-              <pc:sldMasterMk cId="1410729206" sldId="2147484549"/>
-              <pc:sldLayoutMk cId="1335358555" sldId="2147484568"/>
-              <ac:spMk id="14" creationId="{A28F31D8-2FE9-488C-AA88-2DE865DE310C}"/>
-            </ac:spMkLst>
-          </pc:spChg>
-          <pc:spChg chg="add mod">
-            <ac:chgData name="Baaij, Timo @ EMEA Industrial and Logistics" userId="c6be1d08-92b0-4773-8bbb-b359de052d48" providerId="ADAL" clId="{627235FA-4789-4DBE-B973-AF47620C0873}" dt="2023-02-15T12:52:56.164" v="133" actId="962"/>
-            <ac:spMkLst>
-              <pc:docMk/>
-              <pc:sldMasterMk cId="1410729206" sldId="2147484549"/>
-              <pc:sldLayoutMk cId="1335358555" sldId="2147484568"/>
-              <ac:spMk id="15" creationId="{64C2B0E8-19D3-4E80-A2BE-8FDC4FB4E643}"/>
-            </ac:spMkLst>
-          </pc:spChg>
-          <pc:spChg chg="add del mod">
-            <ac:chgData name="Baaij, Timo @ EMEA Industrial and Logistics" userId="c6be1d08-92b0-4773-8bbb-b359de052d48" providerId="ADAL" clId="{627235FA-4789-4DBE-B973-AF47620C0873}" dt="2023-02-15T10:27:18.964" v="87" actId="478"/>
-            <ac:spMkLst>
-              <pc:docMk/>
-              <pc:sldMasterMk cId="1410729206" sldId="2147484549"/>
-              <pc:sldLayoutMk cId="1335358555" sldId="2147484568"/>
-              <ac:spMk id="15" creationId="{7CEE4C0F-3DB1-4089-B4BD-C16F92A578BD}"/>
-            </ac:spMkLst>
-          </pc:spChg>
-          <pc:spChg chg="add del mod">
-            <ac:chgData name="Baaij, Timo @ EMEA Industrial and Logistics" userId="c6be1d08-92b0-4773-8bbb-b359de052d48" providerId="ADAL" clId="{627235FA-4789-4DBE-B973-AF47620C0873}" dt="2023-02-15T10:16:51.811" v="76"/>
-            <ac:spMkLst>
-              <pc:docMk/>
-              <pc:sldMasterMk cId="1410729206" sldId="2147484549"/>
-              <pc:sldLayoutMk cId="1335358555" sldId="2147484568"/>
-              <ac:spMk id="15" creationId="{D60B6389-18DA-435B-9D23-1E229A0788A6}"/>
-            </ac:spMkLst>
-          </pc:spChg>
-          <pc:spChg chg="add del mod">
-            <ac:chgData name="Baaij, Timo @ EMEA Industrial and Logistics" userId="c6be1d08-92b0-4773-8bbb-b359de052d48" providerId="ADAL" clId="{627235FA-4789-4DBE-B973-AF47620C0873}" dt="2023-02-15T10:31:31.710" v="91" actId="478"/>
-            <ac:spMkLst>
-              <pc:docMk/>
-              <pc:sldMasterMk cId="1410729206" sldId="2147484549"/>
-              <pc:sldLayoutMk cId="1335358555" sldId="2147484568"/>
-              <ac:spMk id="16" creationId="{31A35C9F-2A42-4CCD-A171-7459D86557B9}"/>
-            </ac:spMkLst>
-          </pc:spChg>
-          <pc:spChg chg="add mod">
-            <ac:chgData name="Baaij, Timo @ EMEA Industrial and Logistics" userId="c6be1d08-92b0-4773-8bbb-b359de052d48" providerId="ADAL" clId="{627235FA-4789-4DBE-B973-AF47620C0873}" dt="2023-02-15T13:44:46.788" v="159" actId="553"/>
-            <ac:spMkLst>
-              <pc:docMk/>
-              <pc:sldMasterMk cId="1410729206" sldId="2147484549"/>
-              <pc:sldLayoutMk cId="1335358555" sldId="2147484568"/>
-              <ac:spMk id="16" creationId="{463C7C0B-78EF-488D-A3FC-BF395738FA8A}"/>
-            </ac:spMkLst>
-          </pc:spChg>
-          <pc:spChg chg="add del mod">
-            <ac:chgData name="Baaij, Timo @ EMEA Industrial and Logistics" userId="c6be1d08-92b0-4773-8bbb-b359de052d48" providerId="ADAL" clId="{627235FA-4789-4DBE-B973-AF47620C0873}" dt="2023-02-15T10:16:51.374" v="75"/>
-            <ac:spMkLst>
-              <pc:docMk/>
-              <pc:sldMasterMk cId="1410729206" sldId="2147484549"/>
-              <pc:sldLayoutMk cId="1335358555" sldId="2147484568"/>
-              <ac:spMk id="16" creationId="{AABCA203-1054-44A6-8241-ED6158F5AAEB}"/>
-            </ac:spMkLst>
-          </pc:spChg>
-          <pc:spChg chg="add mod">
-            <ac:chgData name="Baaij, Timo @ EMEA Industrial and Logistics" userId="c6be1d08-92b0-4773-8bbb-b359de052d48" providerId="ADAL" clId="{627235FA-4789-4DBE-B973-AF47620C0873}" dt="2023-02-15T13:44:46.788" v="159" actId="553"/>
-            <ac:spMkLst>
-              <pc:docMk/>
-              <pc:sldMasterMk cId="1410729206" sldId="2147484549"/>
-              <pc:sldLayoutMk cId="1335358555" sldId="2147484568"/>
-              <ac:spMk id="17" creationId="{1AE170D2-9954-4799-A65F-111CCC233C3E}"/>
-            </ac:spMkLst>
-          </pc:spChg>
-          <pc:spChg chg="add del mod">
-            <ac:chgData name="Baaij, Timo @ EMEA Industrial and Logistics" userId="c6be1d08-92b0-4773-8bbb-b359de052d48" providerId="ADAL" clId="{627235FA-4789-4DBE-B973-AF47620C0873}" dt="2023-02-15T10:21:21.066" v="78" actId="478"/>
-            <ac:spMkLst>
-              <pc:docMk/>
-              <pc:sldMasterMk cId="1410729206" sldId="2147484549"/>
-              <pc:sldLayoutMk cId="1335358555" sldId="2147484568"/>
-              <ac:spMk id="17" creationId="{291C1230-5E6C-408A-A9ED-5F1504E60745}"/>
-            </ac:spMkLst>
-          </pc:spChg>
-          <pc:spChg chg="add del mod">
-            <ac:chgData name="Baaij, Timo @ EMEA Industrial and Logistics" userId="c6be1d08-92b0-4773-8bbb-b359de052d48" providerId="ADAL" clId="{627235FA-4789-4DBE-B973-AF47620C0873}" dt="2023-02-15T10:21:21.641" v="79" actId="478"/>
-            <ac:spMkLst>
-              <pc:docMk/>
-              <pc:sldMasterMk cId="1410729206" sldId="2147484549"/>
-              <pc:sldLayoutMk cId="1335358555" sldId="2147484568"/>
-              <ac:spMk id="18" creationId="{25032C02-8A44-4C1B-A5C9-5CD2B8DD3FE0}"/>
-            </ac:spMkLst>
-          </pc:spChg>
-          <pc:spChg chg="add mod">
-            <ac:chgData name="Baaij, Timo @ EMEA Industrial and Logistics" userId="c6be1d08-92b0-4773-8bbb-b359de052d48" providerId="ADAL" clId="{627235FA-4789-4DBE-B973-AF47620C0873}" dt="2023-02-15T13:45:44.665" v="165" actId="553"/>
-            <ac:spMkLst>
-              <pc:docMk/>
-              <pc:sldMasterMk cId="1410729206" sldId="2147484549"/>
-              <pc:sldLayoutMk cId="1335358555" sldId="2147484568"/>
-              <ac:spMk id="18" creationId="{88966478-6ED6-4BA9-9A51-535AFF53E01C}"/>
-            </ac:spMkLst>
-          </pc:spChg>
-          <pc:spChg chg="add mod">
-            <ac:chgData name="Baaij, Timo @ EMEA Industrial and Logistics" userId="c6be1d08-92b0-4773-8bbb-b359de052d48" providerId="ADAL" clId="{627235FA-4789-4DBE-B973-AF47620C0873}" dt="2023-02-15T13:45:17.477" v="164" actId="1038"/>
-            <ac:spMkLst>
-              <pc:docMk/>
-              <pc:sldMasterMk cId="1410729206" sldId="2147484549"/>
-              <pc:sldLayoutMk cId="1335358555" sldId="2147484568"/>
-              <ac:spMk id="19" creationId="{356F362E-E25A-4D73-8388-0414D80326B5}"/>
-            </ac:spMkLst>
-          </pc:spChg>
-          <pc:spChg chg="add mod">
-            <ac:chgData name="Baaij, Timo @ EMEA Industrial and Logistics" userId="c6be1d08-92b0-4773-8bbb-b359de052d48" providerId="ADAL" clId="{627235FA-4789-4DBE-B973-AF47620C0873}" dt="2023-02-15T12:53:46.011" v="142" actId="962"/>
-            <ac:spMkLst>
-              <pc:docMk/>
-              <pc:sldMasterMk cId="1410729206" sldId="2147484549"/>
-              <pc:sldLayoutMk cId="1335358555" sldId="2147484568"/>
-              <ac:spMk id="20" creationId="{BC914B30-FCD4-4E3F-B351-7373569A8397}"/>
-            </ac:spMkLst>
-          </pc:spChg>
-          <pc:spChg chg="add mod">
-            <ac:chgData name="Baaij, Timo @ EMEA Industrial and Logistics" userId="c6be1d08-92b0-4773-8bbb-b359de052d48" providerId="ADAL" clId="{627235FA-4789-4DBE-B973-AF47620C0873}" dt="2023-02-15T13:45:44.665" v="165" actId="553"/>
-            <ac:spMkLst>
-              <pc:docMk/>
-              <pc:sldMasterMk cId="1410729206" sldId="2147484549"/>
-              <pc:sldLayoutMk cId="1335358555" sldId="2147484568"/>
-              <ac:spMk id="21" creationId="{1386FB17-6AE6-4C01-83F0-5C44AD1EA653}"/>
-            </ac:spMkLst>
-          </pc:spChg>
-          <pc:spChg chg="add mod">
-            <ac:chgData name="Baaij, Timo @ EMEA Industrial and Logistics" userId="c6be1d08-92b0-4773-8bbb-b359de052d48" providerId="ADAL" clId="{627235FA-4789-4DBE-B973-AF47620C0873}" dt="2023-02-15T13:45:44.665" v="165" actId="553"/>
-            <ac:spMkLst>
-              <pc:docMk/>
-              <pc:sldMasterMk cId="1410729206" sldId="2147484549"/>
-              <pc:sldLayoutMk cId="1335358555" sldId="2147484568"/>
-              <ac:spMk id="22" creationId="{CA814494-EB06-47F5-9216-BFB91A1A1C64}"/>
-            </ac:spMkLst>
-          </pc:spChg>
-          <pc:spChg chg="add mod">
-            <ac:chgData name="Baaij, Timo @ EMEA Industrial and Logistics" userId="c6be1d08-92b0-4773-8bbb-b359de052d48" providerId="ADAL" clId="{627235FA-4789-4DBE-B973-AF47620C0873}" dt="2023-02-15T13:45:44.665" v="165" actId="553"/>
-            <ac:spMkLst>
-              <pc:docMk/>
-              <pc:sldMasterMk cId="1410729206" sldId="2147484549"/>
-              <pc:sldLayoutMk cId="1335358555" sldId="2147484568"/>
-              <ac:spMk id="24" creationId="{E006C56B-DF0E-4AEB-92CF-4A2FBFA6DC9C}"/>
-            </ac:spMkLst>
-          </pc:spChg>
-          <pc:spChg chg="add mod">
-            <ac:chgData name="Baaij, Timo @ EMEA Industrial and Logistics" userId="c6be1d08-92b0-4773-8bbb-b359de052d48" providerId="ADAL" clId="{627235FA-4789-4DBE-B973-AF47620C0873}" dt="2023-02-16T17:30:52.058" v="216" actId="1035"/>
-            <ac:spMkLst>
-              <pc:docMk/>
-              <pc:sldMasterMk cId="1410729206" sldId="2147484549"/>
-              <pc:sldLayoutMk cId="1335358555" sldId="2147484568"/>
-              <ac:spMk id="25" creationId="{3AA558BD-964E-4A97-822D-CAA015A7C585}"/>
-            </ac:spMkLst>
-          </pc:spChg>
-          <pc:spChg chg="add del mod">
-            <ac:chgData name="Baaij, Timo @ EMEA Industrial and Logistics" userId="c6be1d08-92b0-4773-8bbb-b359de052d48" providerId="ADAL" clId="{627235FA-4789-4DBE-B973-AF47620C0873}" dt="2023-02-15T12:54:22.352" v="153"/>
-            <ac:spMkLst>
-              <pc:docMk/>
-              <pc:sldMasterMk cId="1410729206" sldId="2147484549"/>
-              <pc:sldLayoutMk cId="1335358555" sldId="2147484568"/>
-              <ac:spMk id="26" creationId="{092FE75F-3328-4809-9D8D-547FBD00431F}"/>
-            </ac:spMkLst>
-          </pc:spChg>
-          <pc:spChg chg="add mod">
-            <ac:chgData name="Baaij, Timo @ EMEA Industrial and Logistics" userId="c6be1d08-92b0-4773-8bbb-b359de052d48" providerId="ADAL" clId="{627235FA-4789-4DBE-B973-AF47620C0873}" dt="2023-02-16T17:30:52.058" v="216" actId="1035"/>
-            <ac:spMkLst>
-              <pc:docMk/>
-              <pc:sldMasterMk cId="1410729206" sldId="2147484549"/>
-              <pc:sldLayoutMk cId="1335358555" sldId="2147484568"/>
-              <ac:spMk id="26" creationId="{6F8F4AA2-F782-42E2-B4A0-AEE0CD8CAA65}"/>
-            </ac:spMkLst>
-          </pc:spChg>
-          <pc:spChg chg="add mod">
-            <ac:chgData name="Baaij, Timo @ EMEA Industrial and Logistics" userId="c6be1d08-92b0-4773-8bbb-b359de052d48" providerId="ADAL" clId="{627235FA-4789-4DBE-B973-AF47620C0873}" dt="2023-02-16T15:57:51.407" v="191" actId="1035"/>
-            <ac:spMkLst>
-              <pc:docMk/>
-              <pc:sldMasterMk cId="1410729206" sldId="2147484549"/>
-              <pc:sldLayoutMk cId="1335358555" sldId="2147484568"/>
-              <ac:spMk id="27" creationId="{6CFBE8FC-DAF6-4F15-993E-9D19CD844704}"/>
-            </ac:spMkLst>
-          </pc:spChg>
-          <pc:spChg chg="add mod">
-            <ac:chgData name="Baaij, Timo @ EMEA Industrial and Logistics" userId="c6be1d08-92b0-4773-8bbb-b359de052d48" providerId="ADAL" clId="{627235FA-4789-4DBE-B973-AF47620C0873}" dt="2023-02-16T17:30:52.058" v="216" actId="1035"/>
-            <ac:spMkLst>
-              <pc:docMk/>
-              <pc:sldMasterMk cId="1410729206" sldId="2147484549"/>
-              <pc:sldLayoutMk cId="1335358555" sldId="2147484568"/>
-              <ac:spMk id="28" creationId="{AC7CC3F1-1924-4840-9588-D5E4B81EFA46}"/>
-            </ac:spMkLst>
-          </pc:spChg>
-          <pc:spChg chg="add mod">
-            <ac:chgData name="Baaij, Timo @ EMEA Industrial and Logistics" userId="c6be1d08-92b0-4773-8bbb-b359de052d48" providerId="ADAL" clId="{627235FA-4789-4DBE-B973-AF47620C0873}" dt="2023-02-16T17:30:52.058" v="216" actId="1035"/>
-            <ac:spMkLst>
-              <pc:docMk/>
-              <pc:sldMasterMk cId="1410729206" sldId="2147484549"/>
-              <pc:sldLayoutMk cId="1335358555" sldId="2147484568"/>
-              <ac:spMk id="29" creationId="{B6B81B16-A4DC-4C9C-A08F-BFAF8258C684}"/>
-            </ac:spMkLst>
-          </pc:spChg>
-          <pc:spChg chg="add del mod">
-            <ac:chgData name="Baaij, Timo @ EMEA Industrial and Logistics" userId="c6be1d08-92b0-4773-8bbb-b359de052d48" providerId="ADAL" clId="{627235FA-4789-4DBE-B973-AF47620C0873}" dt="2023-02-16T17:36:02.120" v="217" actId="478"/>
-            <ac:spMkLst>
-              <pc:docMk/>
-              <pc:sldMasterMk cId="1410729206" sldId="2147484549"/>
-              <pc:sldLayoutMk cId="1335358555" sldId="2147484568"/>
-              <ac:spMk id="30" creationId="{FBFD4DBA-DBE6-4646-8AA0-E384125E2461}"/>
-            </ac:spMkLst>
-          </pc:spChg>
-          <pc:spChg chg="add mod">
-            <ac:chgData name="Baaij, Timo @ EMEA Industrial and Logistics" userId="c6be1d08-92b0-4773-8bbb-b359de052d48" providerId="ADAL" clId="{627235FA-4789-4DBE-B973-AF47620C0873}" dt="2023-02-16T20:43:39.271" v="241" actId="1036"/>
-            <ac:spMkLst>
-              <pc:docMk/>
-              <pc:sldMasterMk cId="1410729206" sldId="2147484549"/>
-              <pc:sldLayoutMk cId="1335358555" sldId="2147484568"/>
-              <ac:spMk id="31" creationId="{EA6A5147-CA69-48DC-B4A7-B5D61A9BDD52}"/>
-            </ac:spMkLst>
-          </pc:spChg>
-          <pc:graphicFrameChg chg="mod modGraphic">
-            <ac:chgData name="Baaij, Timo @ EMEA Industrial and Logistics" userId="c6be1d08-92b0-4773-8bbb-b359de052d48" providerId="ADAL" clId="{627235FA-4789-4DBE-B973-AF47620C0873}" dt="2023-02-16T20:43:51.797" v="242" actId="20577"/>
-            <ac:graphicFrameMkLst>
-              <pc:docMk/>
-              <pc:sldMasterMk cId="1410729206" sldId="2147484549"/>
-              <pc:sldLayoutMk cId="1335358555" sldId="2147484568"/>
-              <ac:graphicFrameMk id="9" creationId="{B3D7AFE1-7915-4169-86A7-0B53C618BE04}"/>
-            </ac:graphicFrameMkLst>
-          </pc:graphicFrameChg>
-          <pc:graphicFrameChg chg="add del mod">
-            <ac:chgData name="Baaij, Timo @ EMEA Industrial and Logistics" userId="c6be1d08-92b0-4773-8bbb-b359de052d48" providerId="ADAL" clId="{627235FA-4789-4DBE-B973-AF47620C0873}" dt="2023-02-15T12:54:22.352" v="153"/>
-            <ac:graphicFrameMkLst>
-              <pc:docMk/>
-              <pc:sldMasterMk cId="1410729206" sldId="2147484549"/>
-              <pc:sldLayoutMk cId="1335358555" sldId="2147484568"/>
-              <ac:graphicFrameMk id="25" creationId="{ECD165EA-6DC2-48FC-A4F6-3386E4258868}"/>
-            </ac:graphicFrameMkLst>
-          </pc:graphicFrameChg>
-        </pc:sldLayoutChg>
-      </pc:sldMasterChg>
     </pc:docChg>
   </pc:docChgLst>
 </pc:chgInfo>
@@ -6903,6 +6332,602 @@
 </p:sldMaster>
 </file>
 
+<file path=ppt/slides/slide1.xml><?xml version="1.0" encoding="utf-8"?>
+<p:sld xmlns:a="http://schemas.openxmlformats.org/drawingml/2006/main" xmlns:r="http://schemas.openxmlformats.org/officeDocument/2006/relationships" xmlns:p="http://schemas.openxmlformats.org/presentationml/2006/main">
+  <p:cSld>
+    <p:spTree>
+      <p:nvGrpSpPr>
+        <p:cNvPr id="1" name=""/>
+        <p:cNvGrpSpPr/>
+        <p:nvPr/>
+      </p:nvGrpSpPr>
+      <p:grpSpPr>
+        <a:xfrm>
+          <a:off x="0" y="0"/>
+          <a:ext cx="0" cy="0"/>
+          <a:chOff x="0" y="0"/>
+          <a:chExt cx="0" cy="0"/>
+        </a:xfrm>
+      </p:grpSpPr>
+      <p:sp>
+        <p:nvSpPr>
+          <p:cNvPr id="2" name="Text Placeholder 1">
+            <a:extLst>
+              <a:ext uri="{FF2B5EF4-FFF2-40B4-BE49-F238E27FC236}">
+                <a16:creationId xmlns:a16="http://schemas.microsoft.com/office/drawing/2014/main" id="{95BAB6D3-8771-4BFC-8ACD-F0E90E1DADC6}"/>
+              </a:ext>
+            </a:extLst>
+          </p:cNvPr>
+          <p:cNvSpPr>
+            <a:spLocks noGrp="1"/>
+          </p:cNvSpPr>
+          <p:nvPr>
+            <p:ph type="body" sz="quarter" idx="14"/>
+          </p:nvPr>
+        </p:nvSpPr>
+        <p:spPr/>
+        <p:txBody>
+          <a:bodyPr/>
+          <a:lstStyle/>
+          <a:p>
+            <a:endParaRPr lang="en-GB"/>
+          </a:p>
+        </p:txBody>
+      </p:sp>
+      <p:sp>
+        <p:nvSpPr>
+          <p:cNvPr id="3" name="Content Placeholder 2">
+            <a:extLst>
+              <a:ext uri="{FF2B5EF4-FFF2-40B4-BE49-F238E27FC236}">
+                <a16:creationId xmlns:a16="http://schemas.microsoft.com/office/drawing/2014/main" id="{819A423C-1119-4C6B-A0B1-C1F207E042FD}"/>
+              </a:ext>
+            </a:extLst>
+          </p:cNvPr>
+          <p:cNvSpPr>
+            <a:spLocks noGrp="1"/>
+          </p:cNvSpPr>
+          <p:nvPr>
+            <p:ph sz="quarter" idx="10"/>
+          </p:nvPr>
+        </p:nvSpPr>
+        <p:spPr/>
+        <p:txBody>
+          <a:bodyPr/>
+          <a:lstStyle/>
+          <a:p>
+            <a:endParaRPr lang="en-GB"/>
+          </a:p>
+        </p:txBody>
+      </p:sp>
+      <p:sp>
+        <p:nvSpPr>
+          <p:cNvPr id="4" name="Content Placeholder 3">
+            <a:extLst>
+              <a:ext uri="{FF2B5EF4-FFF2-40B4-BE49-F238E27FC236}">
+                <a16:creationId xmlns:a16="http://schemas.microsoft.com/office/drawing/2014/main" id="{CB3B88EA-2C75-40C6-9427-FE88A532352C}"/>
+              </a:ext>
+            </a:extLst>
+          </p:cNvPr>
+          <p:cNvSpPr>
+            <a:spLocks noGrp="1"/>
+          </p:cNvSpPr>
+          <p:nvPr>
+            <p:ph sz="quarter" idx="11"/>
+          </p:nvPr>
+        </p:nvSpPr>
+        <p:spPr/>
+        <p:txBody>
+          <a:bodyPr/>
+          <a:lstStyle/>
+          <a:p>
+            <a:endParaRPr lang="en-GB"/>
+          </a:p>
+        </p:txBody>
+      </p:sp>
+      <p:sp>
+        <p:nvSpPr>
+          <p:cNvPr id="5" name="Content Placeholder 4">
+            <a:extLst>
+              <a:ext uri="{FF2B5EF4-FFF2-40B4-BE49-F238E27FC236}">
+                <a16:creationId xmlns:a16="http://schemas.microsoft.com/office/drawing/2014/main" id="{BB593775-1602-4DE3-81E5-78492962B434}"/>
+              </a:ext>
+            </a:extLst>
+          </p:cNvPr>
+          <p:cNvSpPr>
+            <a:spLocks noGrp="1"/>
+          </p:cNvSpPr>
+          <p:nvPr>
+            <p:ph sz="quarter" idx="12"/>
+          </p:nvPr>
+        </p:nvSpPr>
+        <p:spPr/>
+        <p:txBody>
+          <a:bodyPr/>
+          <a:lstStyle/>
+          <a:p>
+            <a:endParaRPr lang="en-GB"/>
+          </a:p>
+        </p:txBody>
+      </p:sp>
+      <p:sp>
+        <p:nvSpPr>
+          <p:cNvPr id="6" name="Content Placeholder 5">
+            <a:extLst>
+              <a:ext uri="{FF2B5EF4-FFF2-40B4-BE49-F238E27FC236}">
+                <a16:creationId xmlns:a16="http://schemas.microsoft.com/office/drawing/2014/main" id="{7A2C60B0-ED77-4D72-93E9-C1ABA62DFB63}"/>
+              </a:ext>
+            </a:extLst>
+          </p:cNvPr>
+          <p:cNvSpPr>
+            <a:spLocks noGrp="1"/>
+          </p:cNvSpPr>
+          <p:nvPr>
+            <p:ph sz="quarter" idx="13"/>
+          </p:nvPr>
+        </p:nvSpPr>
+        <p:spPr/>
+        <p:txBody>
+          <a:bodyPr/>
+          <a:lstStyle/>
+          <a:p>
+            <a:endParaRPr lang="en-GB"/>
+          </a:p>
+        </p:txBody>
+      </p:sp>
+      <p:sp>
+        <p:nvSpPr>
+          <p:cNvPr id="7" name="Picture Placeholder 6">
+            <a:extLst>
+              <a:ext uri="{FF2B5EF4-FFF2-40B4-BE49-F238E27FC236}">
+                <a16:creationId xmlns:a16="http://schemas.microsoft.com/office/drawing/2014/main" id="{44CB8008-D1E3-41AF-BF69-C7123D260533}"/>
+              </a:ext>
+            </a:extLst>
+          </p:cNvPr>
+          <p:cNvSpPr>
+            <a:spLocks noGrp="1"/>
+          </p:cNvSpPr>
+          <p:nvPr>
+            <p:ph type="pic" sz="quarter" idx="15"/>
+          </p:nvPr>
+        </p:nvSpPr>
+        <p:spPr/>
+      </p:sp>
+      <p:sp>
+        <p:nvSpPr>
+          <p:cNvPr id="8" name="Picture Placeholder 7">
+            <a:extLst>
+              <a:ext uri="{FF2B5EF4-FFF2-40B4-BE49-F238E27FC236}">
+                <a16:creationId xmlns:a16="http://schemas.microsoft.com/office/drawing/2014/main" id="{79F180C4-411E-43EA-AB86-9DD7EB29136F}"/>
+              </a:ext>
+            </a:extLst>
+          </p:cNvPr>
+          <p:cNvSpPr>
+            <a:spLocks noGrp="1"/>
+          </p:cNvSpPr>
+          <p:nvPr>
+            <p:ph type="pic" sz="quarter" idx="16"/>
+          </p:nvPr>
+        </p:nvSpPr>
+        <p:spPr/>
+      </p:sp>
+      <p:sp>
+        <p:nvSpPr>
+          <p:cNvPr id="9" name="Content Placeholder 8">
+            <a:extLst>
+              <a:ext uri="{FF2B5EF4-FFF2-40B4-BE49-F238E27FC236}">
+                <a16:creationId xmlns:a16="http://schemas.microsoft.com/office/drawing/2014/main" id="{4A8D2E49-90CF-410B-BDB0-6C456BA4701D}"/>
+              </a:ext>
+            </a:extLst>
+          </p:cNvPr>
+          <p:cNvSpPr>
+            <a:spLocks noGrp="1"/>
+          </p:cNvSpPr>
+          <p:nvPr>
+            <p:ph sz="quarter" idx="17"/>
+          </p:nvPr>
+        </p:nvSpPr>
+        <p:spPr/>
+        <p:txBody>
+          <a:bodyPr/>
+          <a:lstStyle/>
+          <a:p>
+            <a:endParaRPr lang="en-GB"/>
+          </a:p>
+        </p:txBody>
+      </p:sp>
+      <p:sp>
+        <p:nvSpPr>
+          <p:cNvPr id="10" name="Content Placeholder 9">
+            <a:extLst>
+              <a:ext uri="{FF2B5EF4-FFF2-40B4-BE49-F238E27FC236}">
+                <a16:creationId xmlns:a16="http://schemas.microsoft.com/office/drawing/2014/main" id="{47F8B6DD-73BA-465B-B84F-672DC8BE4379}"/>
+              </a:ext>
+            </a:extLst>
+          </p:cNvPr>
+          <p:cNvSpPr>
+            <a:spLocks noGrp="1"/>
+          </p:cNvSpPr>
+          <p:nvPr>
+            <p:ph sz="quarter" idx="18"/>
+          </p:nvPr>
+        </p:nvSpPr>
+        <p:spPr/>
+        <p:txBody>
+          <a:bodyPr/>
+          <a:lstStyle/>
+          <a:p>
+            <a:endParaRPr lang="en-GB"/>
+          </a:p>
+        </p:txBody>
+      </p:sp>
+      <p:sp>
+        <p:nvSpPr>
+          <p:cNvPr id="11" name="Content Placeholder 10">
+            <a:extLst>
+              <a:ext uri="{FF2B5EF4-FFF2-40B4-BE49-F238E27FC236}">
+                <a16:creationId xmlns:a16="http://schemas.microsoft.com/office/drawing/2014/main" id="{24E5371C-CACA-48F8-8060-A14093E12B9C}"/>
+              </a:ext>
+            </a:extLst>
+          </p:cNvPr>
+          <p:cNvSpPr>
+            <a:spLocks noGrp="1"/>
+          </p:cNvSpPr>
+          <p:nvPr>
+            <p:ph sz="quarter" idx="19"/>
+          </p:nvPr>
+        </p:nvSpPr>
+        <p:spPr/>
+        <p:txBody>
+          <a:bodyPr/>
+          <a:lstStyle/>
+          <a:p>
+            <a:endParaRPr lang="en-GB"/>
+          </a:p>
+        </p:txBody>
+      </p:sp>
+      <p:sp>
+        <p:nvSpPr>
+          <p:cNvPr id="12" name="Content Placeholder 11">
+            <a:extLst>
+              <a:ext uri="{FF2B5EF4-FFF2-40B4-BE49-F238E27FC236}">
+                <a16:creationId xmlns:a16="http://schemas.microsoft.com/office/drawing/2014/main" id="{A0CD6DC6-CA5E-498A-A82D-DFF1D7FF4FFA}"/>
+              </a:ext>
+            </a:extLst>
+          </p:cNvPr>
+          <p:cNvSpPr>
+            <a:spLocks noGrp="1"/>
+          </p:cNvSpPr>
+          <p:nvPr>
+            <p:ph sz="quarter" idx="20"/>
+          </p:nvPr>
+        </p:nvSpPr>
+        <p:spPr/>
+        <p:txBody>
+          <a:bodyPr/>
+          <a:lstStyle/>
+          <a:p>
+            <a:endParaRPr lang="en-GB"/>
+          </a:p>
+        </p:txBody>
+      </p:sp>
+      <p:sp>
+        <p:nvSpPr>
+          <p:cNvPr id="13" name="Content Placeholder 12">
+            <a:extLst>
+              <a:ext uri="{FF2B5EF4-FFF2-40B4-BE49-F238E27FC236}">
+                <a16:creationId xmlns:a16="http://schemas.microsoft.com/office/drawing/2014/main" id="{FDAF6B2C-CBA3-4B66-A596-39FE5E8BF9A8}"/>
+              </a:ext>
+            </a:extLst>
+          </p:cNvPr>
+          <p:cNvSpPr>
+            <a:spLocks noGrp="1"/>
+          </p:cNvSpPr>
+          <p:nvPr>
+            <p:ph sz="quarter" idx="21"/>
+          </p:nvPr>
+        </p:nvSpPr>
+        <p:spPr/>
+        <p:txBody>
+          <a:bodyPr/>
+          <a:lstStyle/>
+          <a:p>
+            <a:endParaRPr lang="en-GB"/>
+          </a:p>
+        </p:txBody>
+      </p:sp>
+      <p:sp>
+        <p:nvSpPr>
+          <p:cNvPr id="14" name="Content Placeholder 13">
+            <a:extLst>
+              <a:ext uri="{FF2B5EF4-FFF2-40B4-BE49-F238E27FC236}">
+                <a16:creationId xmlns:a16="http://schemas.microsoft.com/office/drawing/2014/main" id="{84E405D0-A8A1-4039-9FDA-18932071A396}"/>
+              </a:ext>
+            </a:extLst>
+          </p:cNvPr>
+          <p:cNvSpPr>
+            <a:spLocks noGrp="1"/>
+          </p:cNvSpPr>
+          <p:nvPr>
+            <p:ph sz="quarter" idx="22"/>
+          </p:nvPr>
+        </p:nvSpPr>
+        <p:spPr/>
+        <p:txBody>
+          <a:bodyPr/>
+          <a:lstStyle/>
+          <a:p>
+            <a:endParaRPr lang="en-GB"/>
+          </a:p>
+        </p:txBody>
+      </p:sp>
+      <p:sp>
+        <p:nvSpPr>
+          <p:cNvPr id="15" name="Content Placeholder 14">
+            <a:extLst>
+              <a:ext uri="{FF2B5EF4-FFF2-40B4-BE49-F238E27FC236}">
+                <a16:creationId xmlns:a16="http://schemas.microsoft.com/office/drawing/2014/main" id="{174C2D50-2160-4E9E-BC27-FB3AAFA3BEE0}"/>
+              </a:ext>
+            </a:extLst>
+          </p:cNvPr>
+          <p:cNvSpPr>
+            <a:spLocks noGrp="1"/>
+          </p:cNvSpPr>
+          <p:nvPr>
+            <p:ph sz="quarter" idx="23"/>
+          </p:nvPr>
+        </p:nvSpPr>
+        <p:spPr/>
+        <p:txBody>
+          <a:bodyPr/>
+          <a:lstStyle/>
+          <a:p>
+            <a:endParaRPr lang="en-GB"/>
+          </a:p>
+        </p:txBody>
+      </p:sp>
+      <p:sp>
+        <p:nvSpPr>
+          <p:cNvPr id="16" name="Content Placeholder 15">
+            <a:extLst>
+              <a:ext uri="{FF2B5EF4-FFF2-40B4-BE49-F238E27FC236}">
+                <a16:creationId xmlns:a16="http://schemas.microsoft.com/office/drawing/2014/main" id="{F73313FE-2D01-4FF3-86B2-7086B1B24856}"/>
+              </a:ext>
+            </a:extLst>
+          </p:cNvPr>
+          <p:cNvSpPr>
+            <a:spLocks noGrp="1"/>
+          </p:cNvSpPr>
+          <p:nvPr>
+            <p:ph sz="quarter" idx="24"/>
+          </p:nvPr>
+        </p:nvSpPr>
+        <p:spPr/>
+        <p:txBody>
+          <a:bodyPr/>
+          <a:lstStyle/>
+          <a:p>
+            <a:endParaRPr lang="en-GB"/>
+          </a:p>
+        </p:txBody>
+      </p:sp>
+      <p:sp>
+        <p:nvSpPr>
+          <p:cNvPr id="17" name="Content Placeholder 16">
+            <a:extLst>
+              <a:ext uri="{FF2B5EF4-FFF2-40B4-BE49-F238E27FC236}">
+                <a16:creationId xmlns:a16="http://schemas.microsoft.com/office/drawing/2014/main" id="{39B47A65-4D32-4417-864B-57CB468B0B0E}"/>
+              </a:ext>
+            </a:extLst>
+          </p:cNvPr>
+          <p:cNvSpPr>
+            <a:spLocks noGrp="1"/>
+          </p:cNvSpPr>
+          <p:nvPr>
+            <p:ph sz="quarter" idx="25"/>
+          </p:nvPr>
+        </p:nvSpPr>
+        <p:spPr/>
+        <p:txBody>
+          <a:bodyPr/>
+          <a:lstStyle/>
+          <a:p>
+            <a:endParaRPr lang="en-GB"/>
+          </a:p>
+        </p:txBody>
+      </p:sp>
+      <p:sp>
+        <p:nvSpPr>
+          <p:cNvPr id="18" name="Content Placeholder 17">
+            <a:extLst>
+              <a:ext uri="{FF2B5EF4-FFF2-40B4-BE49-F238E27FC236}">
+                <a16:creationId xmlns:a16="http://schemas.microsoft.com/office/drawing/2014/main" id="{C2E847A3-5773-4B44-8AA6-471F3D4E36C5}"/>
+              </a:ext>
+            </a:extLst>
+          </p:cNvPr>
+          <p:cNvSpPr>
+            <a:spLocks noGrp="1"/>
+          </p:cNvSpPr>
+          <p:nvPr>
+            <p:ph sz="quarter" idx="26"/>
+          </p:nvPr>
+        </p:nvSpPr>
+        <p:spPr/>
+        <p:txBody>
+          <a:bodyPr/>
+          <a:lstStyle/>
+          <a:p>
+            <a:endParaRPr lang="en-GB"/>
+          </a:p>
+        </p:txBody>
+      </p:sp>
+      <p:sp>
+        <p:nvSpPr>
+          <p:cNvPr id="19" name="Content Placeholder 18">
+            <a:extLst>
+              <a:ext uri="{FF2B5EF4-FFF2-40B4-BE49-F238E27FC236}">
+                <a16:creationId xmlns:a16="http://schemas.microsoft.com/office/drawing/2014/main" id="{0D89C067-F9DF-42CF-983C-62951B491774}"/>
+              </a:ext>
+            </a:extLst>
+          </p:cNvPr>
+          <p:cNvSpPr>
+            <a:spLocks noGrp="1"/>
+          </p:cNvSpPr>
+          <p:nvPr>
+            <p:ph sz="quarter" idx="27"/>
+          </p:nvPr>
+        </p:nvSpPr>
+        <p:spPr/>
+        <p:txBody>
+          <a:bodyPr/>
+          <a:lstStyle/>
+          <a:p>
+            <a:endParaRPr lang="en-GB"/>
+          </a:p>
+        </p:txBody>
+      </p:sp>
+      <p:sp>
+        <p:nvSpPr>
+          <p:cNvPr id="20" name="Content Placeholder 19">
+            <a:extLst>
+              <a:ext uri="{FF2B5EF4-FFF2-40B4-BE49-F238E27FC236}">
+                <a16:creationId xmlns:a16="http://schemas.microsoft.com/office/drawing/2014/main" id="{6CD7D3C5-D00D-4EFA-B9DF-127BA94AA24E}"/>
+              </a:ext>
+            </a:extLst>
+          </p:cNvPr>
+          <p:cNvSpPr>
+            <a:spLocks noGrp="1"/>
+          </p:cNvSpPr>
+          <p:nvPr>
+            <p:ph sz="quarter" idx="28"/>
+          </p:nvPr>
+        </p:nvSpPr>
+        <p:spPr/>
+        <p:txBody>
+          <a:bodyPr/>
+          <a:lstStyle/>
+          <a:p>
+            <a:endParaRPr lang="en-GB"/>
+          </a:p>
+        </p:txBody>
+      </p:sp>
+      <p:sp>
+        <p:nvSpPr>
+          <p:cNvPr id="21" name="Content Placeholder 20">
+            <a:extLst>
+              <a:ext uri="{FF2B5EF4-FFF2-40B4-BE49-F238E27FC236}">
+                <a16:creationId xmlns:a16="http://schemas.microsoft.com/office/drawing/2014/main" id="{45716A54-6C8F-4239-B526-6DEEFAF57D2A}"/>
+              </a:ext>
+            </a:extLst>
+          </p:cNvPr>
+          <p:cNvSpPr>
+            <a:spLocks noGrp="1"/>
+          </p:cNvSpPr>
+          <p:nvPr>
+            <p:ph sz="quarter" idx="29"/>
+          </p:nvPr>
+        </p:nvSpPr>
+        <p:spPr/>
+        <p:txBody>
+          <a:bodyPr/>
+          <a:lstStyle/>
+          <a:p>
+            <a:endParaRPr lang="en-GB"/>
+          </a:p>
+        </p:txBody>
+      </p:sp>
+      <p:sp>
+        <p:nvSpPr>
+          <p:cNvPr id="22" name="Content Placeholder 21">
+            <a:extLst>
+              <a:ext uri="{FF2B5EF4-FFF2-40B4-BE49-F238E27FC236}">
+                <a16:creationId xmlns:a16="http://schemas.microsoft.com/office/drawing/2014/main" id="{42DC0A63-7E4A-4DB8-A036-831984D965D2}"/>
+              </a:ext>
+            </a:extLst>
+          </p:cNvPr>
+          <p:cNvSpPr>
+            <a:spLocks noGrp="1"/>
+          </p:cNvSpPr>
+          <p:nvPr>
+            <p:ph sz="quarter" idx="31"/>
+          </p:nvPr>
+        </p:nvSpPr>
+        <p:spPr/>
+        <p:txBody>
+          <a:bodyPr/>
+          <a:lstStyle/>
+          <a:p>
+            <a:endParaRPr lang="en-GB"/>
+          </a:p>
+        </p:txBody>
+      </p:sp>
+      <p:sp>
+        <p:nvSpPr>
+          <p:cNvPr id="23" name="Picture Placeholder 22">
+            <a:extLst>
+              <a:ext uri="{FF2B5EF4-FFF2-40B4-BE49-F238E27FC236}">
+                <a16:creationId xmlns:a16="http://schemas.microsoft.com/office/drawing/2014/main" id="{F2185B0B-A163-427E-B623-DB53D767E46A}"/>
+              </a:ext>
+            </a:extLst>
+          </p:cNvPr>
+          <p:cNvSpPr>
+            <a:spLocks noGrp="1"/>
+          </p:cNvSpPr>
+          <p:nvPr>
+            <p:ph type="pic" sz="quarter" idx="33"/>
+          </p:nvPr>
+        </p:nvSpPr>
+        <p:spPr/>
+      </p:sp>
+      <p:sp>
+        <p:nvSpPr>
+          <p:cNvPr id="24" name="Text Placeholder 23">
+            <a:extLst>
+              <a:ext uri="{FF2B5EF4-FFF2-40B4-BE49-F238E27FC236}">
+                <a16:creationId xmlns:a16="http://schemas.microsoft.com/office/drawing/2014/main" id="{72025521-D9B3-406A-81FA-ED22015DD72A}"/>
+              </a:ext>
+            </a:extLst>
+          </p:cNvPr>
+          <p:cNvSpPr>
+            <a:spLocks noGrp="1"/>
+          </p:cNvSpPr>
+          <p:nvPr>
+            <p:ph type="body" sz="quarter" idx="34"/>
+          </p:nvPr>
+        </p:nvSpPr>
+        <p:spPr>
+          <a:solidFill>
+            <a:schemeClr val="bg1">
+              <a:alpha val="1000"/>
+            </a:schemeClr>
+          </a:solidFill>
+        </p:spPr>
+        <p:txBody>
+          <a:bodyPr/>
+          <a:lstStyle/>
+          <a:p>
+            <a:endParaRPr lang="en-GB" dirty="0">
+              <a:solidFill>
+                <a:schemeClr val="accent1">
+                  <a:alpha val="0"/>
+                </a:schemeClr>
+              </a:solidFill>
+            </a:endParaRPr>
+          </a:p>
+        </p:txBody>
+      </p:sp>
+    </p:spTree>
+    <p:extLst>
+      <p:ext uri="{BB962C8B-B14F-4D97-AF65-F5344CB8AC3E}">
+        <p14:creationId xmlns:p14="http://schemas.microsoft.com/office/powerpoint/2010/main" val="3739695006"/>
+      </p:ext>
+    </p:extLst>
+  </p:cSld>
+  <p:clrMapOvr>
+    <a:masterClrMapping/>
+  </p:clrMapOvr>
+</p:sld>
+</file>
+
 <file path=ppt/theme/theme1.xml><?xml version="1.0" encoding="utf-8"?>
 <a:theme xmlns:a="http://schemas.openxmlformats.org/drawingml/2006/main" name="1_MASTER">
   <a:themeElements>

--- a/static/template.pptx
+++ b/static/template.pptx
@@ -5,14 +5,11 @@
     <p:sldMasterId id="2147484549" r:id="rId1"/>
   </p:sldMasterIdLst>
   <p:notesMasterIdLst>
-    <p:notesMasterId r:id="rId3"/>
+    <p:notesMasterId r:id="rId2"/>
   </p:notesMasterIdLst>
   <p:handoutMasterIdLst>
-    <p:handoutMasterId r:id="rId4"/>
+    <p:handoutMasterId r:id="rId3"/>
   </p:handoutMasterIdLst>
-  <p:sldIdLst>
-    <p:sldId id="256" r:id="rId2"/>
-  </p:sldIdLst>
   <p:sldSz cx="12192000" cy="6858000"/>
   <p:notesSz cx="6858000" cy="9144000"/>
   <p:defaultTextStyle>
@@ -190,35 +187,6 @@
     <p1510:client id="{F15839A0-B571-4829-8B94-EBABC6814D3D}" v="6" dt="2023-02-17T12:26:33.883"/>
   </p1510:revLst>
 </p1510:revInfo>
-</file>
-
-<file path=ppt/changesInfos/changesInfo1.xml><?xml version="1.0" encoding="utf-8"?>
-<pc:chgInfo xmlns:a="http://schemas.openxmlformats.org/drawingml/2006/main" xmlns:r="http://schemas.openxmlformats.org/officeDocument/2006/relationships" xmlns:ac="http://schemas.microsoft.com/office/drawing/2013/main/command" xmlns:pc="http://schemas.microsoft.com/office/powerpoint/2013/main/command">
-  <pc:docChgLst>
-    <pc:chgData name="Baaij, Timo @ EMEA Industrial and Logistics" userId="c6be1d08-92b0-4773-8bbb-b359de052d48" providerId="ADAL" clId="{F15839A0-B571-4829-8B94-EBABC6814D3D}"/>
-    <pc:docChg chg="undo custSel addSld modSld">
-      <pc:chgData name="Baaij, Timo @ EMEA Industrial and Logistics" userId="c6be1d08-92b0-4773-8bbb-b359de052d48" providerId="ADAL" clId="{F15839A0-B571-4829-8B94-EBABC6814D3D}" dt="2023-02-17T12:27:49.833" v="109" actId="20577"/>
-      <pc:docMkLst>
-        <pc:docMk/>
-      </pc:docMkLst>
-      <pc:sldChg chg="modSp new mod">
-        <pc:chgData name="Baaij, Timo @ EMEA Industrial and Logistics" userId="c6be1d08-92b0-4773-8bbb-b359de052d48" providerId="ADAL" clId="{F15839A0-B571-4829-8B94-EBABC6814D3D}" dt="2023-02-17T12:27:49.833" v="109" actId="20577"/>
-        <pc:sldMkLst>
-          <pc:docMk/>
-          <pc:sldMk cId="3739695006" sldId="256"/>
-        </pc:sldMkLst>
-        <pc:spChg chg="mod">
-          <ac:chgData name="Baaij, Timo @ EMEA Industrial and Logistics" userId="c6be1d08-92b0-4773-8bbb-b359de052d48" providerId="ADAL" clId="{F15839A0-B571-4829-8B94-EBABC6814D3D}" dt="2023-02-17T12:27:49.833" v="109" actId="20577"/>
-          <ac:spMkLst>
-            <pc:docMk/>
-            <pc:sldMk cId="3739695006" sldId="256"/>
-            <ac:spMk id="24" creationId="{72025521-D9B3-406A-81FA-ED22015DD72A}"/>
-          </ac:spMkLst>
-        </pc:spChg>
-      </pc:sldChg>
-    </pc:docChg>
-  </pc:docChgLst>
-</pc:chgInfo>
 </file>
 
 <file path=ppt/handoutMasters/handoutMaster1.xml><?xml version="1.0" encoding="utf-8"?>
@@ -5327,7 +5295,7 @@
         <p:spPr>
           <a:xfrm>
             <a:off x="496719" y="2824163"/>
-            <a:ext cx="1057275" cy="958850"/>
+            <a:ext cx="576000" cy="576000"/>
           </a:xfrm>
         </p:spPr>
         <p:txBody>
@@ -5360,15 +5328,15 @@
         </p:nvSpPr>
         <p:spPr>
           <a:xfrm>
-            <a:off x="496718" y="2822717"/>
-            <a:ext cx="1057275" cy="958850"/>
+            <a:off x="1233725" y="2824163"/>
+            <a:ext cx="1604365" cy="523158"/>
           </a:xfrm>
         </p:spPr>
         <p:txBody>
           <a:bodyPr rIns="72000"/>
           <a:lstStyle>
             <a:lvl1pPr>
-              <a:defRPr sz="2900">
+              <a:defRPr sz="2000">
                 <a:ln>
                   <a:noFill/>
                 </a:ln>
@@ -6332,606 +6300,10 @@
 </p:sldMaster>
 </file>
 
-<file path=ppt/slides/slide1.xml><?xml version="1.0" encoding="utf-8"?>
-<p:sld xmlns:a="http://schemas.openxmlformats.org/drawingml/2006/main" xmlns:r="http://schemas.openxmlformats.org/officeDocument/2006/relationships" xmlns:p="http://schemas.openxmlformats.org/presentationml/2006/main">
-  <p:cSld>
-    <p:spTree>
-      <p:nvGrpSpPr>
-        <p:cNvPr id="1" name=""/>
-        <p:cNvGrpSpPr/>
-        <p:nvPr/>
-      </p:nvGrpSpPr>
-      <p:grpSpPr>
-        <a:xfrm>
-          <a:off x="0" y="0"/>
-          <a:ext cx="0" cy="0"/>
-          <a:chOff x="0" y="0"/>
-          <a:chExt cx="0" cy="0"/>
-        </a:xfrm>
-      </p:grpSpPr>
-      <p:sp>
-        <p:nvSpPr>
-          <p:cNvPr id="2" name="Text Placeholder 1">
-            <a:extLst>
-              <a:ext uri="{FF2B5EF4-FFF2-40B4-BE49-F238E27FC236}">
-                <a16:creationId xmlns:a16="http://schemas.microsoft.com/office/drawing/2014/main" id="{95BAB6D3-8771-4BFC-8ACD-F0E90E1DADC6}"/>
-              </a:ext>
-            </a:extLst>
-          </p:cNvPr>
-          <p:cNvSpPr>
-            <a:spLocks noGrp="1"/>
-          </p:cNvSpPr>
-          <p:nvPr>
-            <p:ph type="body" sz="quarter" idx="14"/>
-          </p:nvPr>
-        </p:nvSpPr>
-        <p:spPr/>
-        <p:txBody>
-          <a:bodyPr/>
-          <a:lstStyle/>
-          <a:p>
-            <a:endParaRPr lang="en-GB"/>
-          </a:p>
-        </p:txBody>
-      </p:sp>
-      <p:sp>
-        <p:nvSpPr>
-          <p:cNvPr id="3" name="Content Placeholder 2">
-            <a:extLst>
-              <a:ext uri="{FF2B5EF4-FFF2-40B4-BE49-F238E27FC236}">
-                <a16:creationId xmlns:a16="http://schemas.microsoft.com/office/drawing/2014/main" id="{819A423C-1119-4C6B-A0B1-C1F207E042FD}"/>
-              </a:ext>
-            </a:extLst>
-          </p:cNvPr>
-          <p:cNvSpPr>
-            <a:spLocks noGrp="1"/>
-          </p:cNvSpPr>
-          <p:nvPr>
-            <p:ph sz="quarter" idx="10"/>
-          </p:nvPr>
-        </p:nvSpPr>
-        <p:spPr/>
-        <p:txBody>
-          <a:bodyPr/>
-          <a:lstStyle/>
-          <a:p>
-            <a:endParaRPr lang="en-GB"/>
-          </a:p>
-        </p:txBody>
-      </p:sp>
-      <p:sp>
-        <p:nvSpPr>
-          <p:cNvPr id="4" name="Content Placeholder 3">
-            <a:extLst>
-              <a:ext uri="{FF2B5EF4-FFF2-40B4-BE49-F238E27FC236}">
-                <a16:creationId xmlns:a16="http://schemas.microsoft.com/office/drawing/2014/main" id="{CB3B88EA-2C75-40C6-9427-FE88A532352C}"/>
-              </a:ext>
-            </a:extLst>
-          </p:cNvPr>
-          <p:cNvSpPr>
-            <a:spLocks noGrp="1"/>
-          </p:cNvSpPr>
-          <p:nvPr>
-            <p:ph sz="quarter" idx="11"/>
-          </p:nvPr>
-        </p:nvSpPr>
-        <p:spPr/>
-        <p:txBody>
-          <a:bodyPr/>
-          <a:lstStyle/>
-          <a:p>
-            <a:endParaRPr lang="en-GB"/>
-          </a:p>
-        </p:txBody>
-      </p:sp>
-      <p:sp>
-        <p:nvSpPr>
-          <p:cNvPr id="5" name="Content Placeholder 4">
-            <a:extLst>
-              <a:ext uri="{FF2B5EF4-FFF2-40B4-BE49-F238E27FC236}">
-                <a16:creationId xmlns:a16="http://schemas.microsoft.com/office/drawing/2014/main" id="{BB593775-1602-4DE3-81E5-78492962B434}"/>
-              </a:ext>
-            </a:extLst>
-          </p:cNvPr>
-          <p:cNvSpPr>
-            <a:spLocks noGrp="1"/>
-          </p:cNvSpPr>
-          <p:nvPr>
-            <p:ph sz="quarter" idx="12"/>
-          </p:nvPr>
-        </p:nvSpPr>
-        <p:spPr/>
-        <p:txBody>
-          <a:bodyPr/>
-          <a:lstStyle/>
-          <a:p>
-            <a:endParaRPr lang="en-GB"/>
-          </a:p>
-        </p:txBody>
-      </p:sp>
-      <p:sp>
-        <p:nvSpPr>
-          <p:cNvPr id="6" name="Content Placeholder 5">
-            <a:extLst>
-              <a:ext uri="{FF2B5EF4-FFF2-40B4-BE49-F238E27FC236}">
-                <a16:creationId xmlns:a16="http://schemas.microsoft.com/office/drawing/2014/main" id="{7A2C60B0-ED77-4D72-93E9-C1ABA62DFB63}"/>
-              </a:ext>
-            </a:extLst>
-          </p:cNvPr>
-          <p:cNvSpPr>
-            <a:spLocks noGrp="1"/>
-          </p:cNvSpPr>
-          <p:nvPr>
-            <p:ph sz="quarter" idx="13"/>
-          </p:nvPr>
-        </p:nvSpPr>
-        <p:spPr/>
-        <p:txBody>
-          <a:bodyPr/>
-          <a:lstStyle/>
-          <a:p>
-            <a:endParaRPr lang="en-GB"/>
-          </a:p>
-        </p:txBody>
-      </p:sp>
-      <p:sp>
-        <p:nvSpPr>
-          <p:cNvPr id="7" name="Picture Placeholder 6">
-            <a:extLst>
-              <a:ext uri="{FF2B5EF4-FFF2-40B4-BE49-F238E27FC236}">
-                <a16:creationId xmlns:a16="http://schemas.microsoft.com/office/drawing/2014/main" id="{44CB8008-D1E3-41AF-BF69-C7123D260533}"/>
-              </a:ext>
-            </a:extLst>
-          </p:cNvPr>
-          <p:cNvSpPr>
-            <a:spLocks noGrp="1"/>
-          </p:cNvSpPr>
-          <p:nvPr>
-            <p:ph type="pic" sz="quarter" idx="15"/>
-          </p:nvPr>
-        </p:nvSpPr>
-        <p:spPr/>
-      </p:sp>
-      <p:sp>
-        <p:nvSpPr>
-          <p:cNvPr id="8" name="Picture Placeholder 7">
-            <a:extLst>
-              <a:ext uri="{FF2B5EF4-FFF2-40B4-BE49-F238E27FC236}">
-                <a16:creationId xmlns:a16="http://schemas.microsoft.com/office/drawing/2014/main" id="{79F180C4-411E-43EA-AB86-9DD7EB29136F}"/>
-              </a:ext>
-            </a:extLst>
-          </p:cNvPr>
-          <p:cNvSpPr>
-            <a:spLocks noGrp="1"/>
-          </p:cNvSpPr>
-          <p:nvPr>
-            <p:ph type="pic" sz="quarter" idx="16"/>
-          </p:nvPr>
-        </p:nvSpPr>
-        <p:spPr/>
-      </p:sp>
-      <p:sp>
-        <p:nvSpPr>
-          <p:cNvPr id="9" name="Content Placeholder 8">
-            <a:extLst>
-              <a:ext uri="{FF2B5EF4-FFF2-40B4-BE49-F238E27FC236}">
-                <a16:creationId xmlns:a16="http://schemas.microsoft.com/office/drawing/2014/main" id="{4A8D2E49-90CF-410B-BDB0-6C456BA4701D}"/>
-              </a:ext>
-            </a:extLst>
-          </p:cNvPr>
-          <p:cNvSpPr>
-            <a:spLocks noGrp="1"/>
-          </p:cNvSpPr>
-          <p:nvPr>
-            <p:ph sz="quarter" idx="17"/>
-          </p:nvPr>
-        </p:nvSpPr>
-        <p:spPr/>
-        <p:txBody>
-          <a:bodyPr/>
-          <a:lstStyle/>
-          <a:p>
-            <a:endParaRPr lang="en-GB"/>
-          </a:p>
-        </p:txBody>
-      </p:sp>
-      <p:sp>
-        <p:nvSpPr>
-          <p:cNvPr id="10" name="Content Placeholder 9">
-            <a:extLst>
-              <a:ext uri="{FF2B5EF4-FFF2-40B4-BE49-F238E27FC236}">
-                <a16:creationId xmlns:a16="http://schemas.microsoft.com/office/drawing/2014/main" id="{47F8B6DD-73BA-465B-B84F-672DC8BE4379}"/>
-              </a:ext>
-            </a:extLst>
-          </p:cNvPr>
-          <p:cNvSpPr>
-            <a:spLocks noGrp="1"/>
-          </p:cNvSpPr>
-          <p:nvPr>
-            <p:ph sz="quarter" idx="18"/>
-          </p:nvPr>
-        </p:nvSpPr>
-        <p:spPr/>
-        <p:txBody>
-          <a:bodyPr/>
-          <a:lstStyle/>
-          <a:p>
-            <a:endParaRPr lang="en-GB"/>
-          </a:p>
-        </p:txBody>
-      </p:sp>
-      <p:sp>
-        <p:nvSpPr>
-          <p:cNvPr id="11" name="Content Placeholder 10">
-            <a:extLst>
-              <a:ext uri="{FF2B5EF4-FFF2-40B4-BE49-F238E27FC236}">
-                <a16:creationId xmlns:a16="http://schemas.microsoft.com/office/drawing/2014/main" id="{24E5371C-CACA-48F8-8060-A14093E12B9C}"/>
-              </a:ext>
-            </a:extLst>
-          </p:cNvPr>
-          <p:cNvSpPr>
-            <a:spLocks noGrp="1"/>
-          </p:cNvSpPr>
-          <p:nvPr>
-            <p:ph sz="quarter" idx="19"/>
-          </p:nvPr>
-        </p:nvSpPr>
-        <p:spPr/>
-        <p:txBody>
-          <a:bodyPr/>
-          <a:lstStyle/>
-          <a:p>
-            <a:endParaRPr lang="en-GB"/>
-          </a:p>
-        </p:txBody>
-      </p:sp>
-      <p:sp>
-        <p:nvSpPr>
-          <p:cNvPr id="12" name="Content Placeholder 11">
-            <a:extLst>
-              <a:ext uri="{FF2B5EF4-FFF2-40B4-BE49-F238E27FC236}">
-                <a16:creationId xmlns:a16="http://schemas.microsoft.com/office/drawing/2014/main" id="{A0CD6DC6-CA5E-498A-A82D-DFF1D7FF4FFA}"/>
-              </a:ext>
-            </a:extLst>
-          </p:cNvPr>
-          <p:cNvSpPr>
-            <a:spLocks noGrp="1"/>
-          </p:cNvSpPr>
-          <p:nvPr>
-            <p:ph sz="quarter" idx="20"/>
-          </p:nvPr>
-        </p:nvSpPr>
-        <p:spPr/>
-        <p:txBody>
-          <a:bodyPr/>
-          <a:lstStyle/>
-          <a:p>
-            <a:endParaRPr lang="en-GB"/>
-          </a:p>
-        </p:txBody>
-      </p:sp>
-      <p:sp>
-        <p:nvSpPr>
-          <p:cNvPr id="13" name="Content Placeholder 12">
-            <a:extLst>
-              <a:ext uri="{FF2B5EF4-FFF2-40B4-BE49-F238E27FC236}">
-                <a16:creationId xmlns:a16="http://schemas.microsoft.com/office/drawing/2014/main" id="{FDAF6B2C-CBA3-4B66-A596-39FE5E8BF9A8}"/>
-              </a:ext>
-            </a:extLst>
-          </p:cNvPr>
-          <p:cNvSpPr>
-            <a:spLocks noGrp="1"/>
-          </p:cNvSpPr>
-          <p:nvPr>
-            <p:ph sz="quarter" idx="21"/>
-          </p:nvPr>
-        </p:nvSpPr>
-        <p:spPr/>
-        <p:txBody>
-          <a:bodyPr/>
-          <a:lstStyle/>
-          <a:p>
-            <a:endParaRPr lang="en-GB"/>
-          </a:p>
-        </p:txBody>
-      </p:sp>
-      <p:sp>
-        <p:nvSpPr>
-          <p:cNvPr id="14" name="Content Placeholder 13">
-            <a:extLst>
-              <a:ext uri="{FF2B5EF4-FFF2-40B4-BE49-F238E27FC236}">
-                <a16:creationId xmlns:a16="http://schemas.microsoft.com/office/drawing/2014/main" id="{84E405D0-A8A1-4039-9FDA-18932071A396}"/>
-              </a:ext>
-            </a:extLst>
-          </p:cNvPr>
-          <p:cNvSpPr>
-            <a:spLocks noGrp="1"/>
-          </p:cNvSpPr>
-          <p:nvPr>
-            <p:ph sz="quarter" idx="22"/>
-          </p:nvPr>
-        </p:nvSpPr>
-        <p:spPr/>
-        <p:txBody>
-          <a:bodyPr/>
-          <a:lstStyle/>
-          <a:p>
-            <a:endParaRPr lang="en-GB"/>
-          </a:p>
-        </p:txBody>
-      </p:sp>
-      <p:sp>
-        <p:nvSpPr>
-          <p:cNvPr id="15" name="Content Placeholder 14">
-            <a:extLst>
-              <a:ext uri="{FF2B5EF4-FFF2-40B4-BE49-F238E27FC236}">
-                <a16:creationId xmlns:a16="http://schemas.microsoft.com/office/drawing/2014/main" id="{174C2D50-2160-4E9E-BC27-FB3AAFA3BEE0}"/>
-              </a:ext>
-            </a:extLst>
-          </p:cNvPr>
-          <p:cNvSpPr>
-            <a:spLocks noGrp="1"/>
-          </p:cNvSpPr>
-          <p:nvPr>
-            <p:ph sz="quarter" idx="23"/>
-          </p:nvPr>
-        </p:nvSpPr>
-        <p:spPr/>
-        <p:txBody>
-          <a:bodyPr/>
-          <a:lstStyle/>
-          <a:p>
-            <a:endParaRPr lang="en-GB"/>
-          </a:p>
-        </p:txBody>
-      </p:sp>
-      <p:sp>
-        <p:nvSpPr>
-          <p:cNvPr id="16" name="Content Placeholder 15">
-            <a:extLst>
-              <a:ext uri="{FF2B5EF4-FFF2-40B4-BE49-F238E27FC236}">
-                <a16:creationId xmlns:a16="http://schemas.microsoft.com/office/drawing/2014/main" id="{F73313FE-2D01-4FF3-86B2-7086B1B24856}"/>
-              </a:ext>
-            </a:extLst>
-          </p:cNvPr>
-          <p:cNvSpPr>
-            <a:spLocks noGrp="1"/>
-          </p:cNvSpPr>
-          <p:nvPr>
-            <p:ph sz="quarter" idx="24"/>
-          </p:nvPr>
-        </p:nvSpPr>
-        <p:spPr/>
-        <p:txBody>
-          <a:bodyPr/>
-          <a:lstStyle/>
-          <a:p>
-            <a:endParaRPr lang="en-GB"/>
-          </a:p>
-        </p:txBody>
-      </p:sp>
-      <p:sp>
-        <p:nvSpPr>
-          <p:cNvPr id="17" name="Content Placeholder 16">
-            <a:extLst>
-              <a:ext uri="{FF2B5EF4-FFF2-40B4-BE49-F238E27FC236}">
-                <a16:creationId xmlns:a16="http://schemas.microsoft.com/office/drawing/2014/main" id="{39B47A65-4D32-4417-864B-57CB468B0B0E}"/>
-              </a:ext>
-            </a:extLst>
-          </p:cNvPr>
-          <p:cNvSpPr>
-            <a:spLocks noGrp="1"/>
-          </p:cNvSpPr>
-          <p:nvPr>
-            <p:ph sz="quarter" idx="25"/>
-          </p:nvPr>
-        </p:nvSpPr>
-        <p:spPr/>
-        <p:txBody>
-          <a:bodyPr/>
-          <a:lstStyle/>
-          <a:p>
-            <a:endParaRPr lang="en-GB"/>
-          </a:p>
-        </p:txBody>
-      </p:sp>
-      <p:sp>
-        <p:nvSpPr>
-          <p:cNvPr id="18" name="Content Placeholder 17">
-            <a:extLst>
-              <a:ext uri="{FF2B5EF4-FFF2-40B4-BE49-F238E27FC236}">
-                <a16:creationId xmlns:a16="http://schemas.microsoft.com/office/drawing/2014/main" id="{C2E847A3-5773-4B44-8AA6-471F3D4E36C5}"/>
-              </a:ext>
-            </a:extLst>
-          </p:cNvPr>
-          <p:cNvSpPr>
-            <a:spLocks noGrp="1"/>
-          </p:cNvSpPr>
-          <p:nvPr>
-            <p:ph sz="quarter" idx="26"/>
-          </p:nvPr>
-        </p:nvSpPr>
-        <p:spPr/>
-        <p:txBody>
-          <a:bodyPr/>
-          <a:lstStyle/>
-          <a:p>
-            <a:endParaRPr lang="en-GB"/>
-          </a:p>
-        </p:txBody>
-      </p:sp>
-      <p:sp>
-        <p:nvSpPr>
-          <p:cNvPr id="19" name="Content Placeholder 18">
-            <a:extLst>
-              <a:ext uri="{FF2B5EF4-FFF2-40B4-BE49-F238E27FC236}">
-                <a16:creationId xmlns:a16="http://schemas.microsoft.com/office/drawing/2014/main" id="{0D89C067-F9DF-42CF-983C-62951B491774}"/>
-              </a:ext>
-            </a:extLst>
-          </p:cNvPr>
-          <p:cNvSpPr>
-            <a:spLocks noGrp="1"/>
-          </p:cNvSpPr>
-          <p:nvPr>
-            <p:ph sz="quarter" idx="27"/>
-          </p:nvPr>
-        </p:nvSpPr>
-        <p:spPr/>
-        <p:txBody>
-          <a:bodyPr/>
-          <a:lstStyle/>
-          <a:p>
-            <a:endParaRPr lang="en-GB"/>
-          </a:p>
-        </p:txBody>
-      </p:sp>
-      <p:sp>
-        <p:nvSpPr>
-          <p:cNvPr id="20" name="Content Placeholder 19">
-            <a:extLst>
-              <a:ext uri="{FF2B5EF4-FFF2-40B4-BE49-F238E27FC236}">
-                <a16:creationId xmlns:a16="http://schemas.microsoft.com/office/drawing/2014/main" id="{6CD7D3C5-D00D-4EFA-B9DF-127BA94AA24E}"/>
-              </a:ext>
-            </a:extLst>
-          </p:cNvPr>
-          <p:cNvSpPr>
-            <a:spLocks noGrp="1"/>
-          </p:cNvSpPr>
-          <p:nvPr>
-            <p:ph sz="quarter" idx="28"/>
-          </p:nvPr>
-        </p:nvSpPr>
-        <p:spPr/>
-        <p:txBody>
-          <a:bodyPr/>
-          <a:lstStyle/>
-          <a:p>
-            <a:endParaRPr lang="en-GB"/>
-          </a:p>
-        </p:txBody>
-      </p:sp>
-      <p:sp>
-        <p:nvSpPr>
-          <p:cNvPr id="21" name="Content Placeholder 20">
-            <a:extLst>
-              <a:ext uri="{FF2B5EF4-FFF2-40B4-BE49-F238E27FC236}">
-                <a16:creationId xmlns:a16="http://schemas.microsoft.com/office/drawing/2014/main" id="{45716A54-6C8F-4239-B526-6DEEFAF57D2A}"/>
-              </a:ext>
-            </a:extLst>
-          </p:cNvPr>
-          <p:cNvSpPr>
-            <a:spLocks noGrp="1"/>
-          </p:cNvSpPr>
-          <p:nvPr>
-            <p:ph sz="quarter" idx="29"/>
-          </p:nvPr>
-        </p:nvSpPr>
-        <p:spPr/>
-        <p:txBody>
-          <a:bodyPr/>
-          <a:lstStyle/>
-          <a:p>
-            <a:endParaRPr lang="en-GB"/>
-          </a:p>
-        </p:txBody>
-      </p:sp>
-      <p:sp>
-        <p:nvSpPr>
-          <p:cNvPr id="22" name="Content Placeholder 21">
-            <a:extLst>
-              <a:ext uri="{FF2B5EF4-FFF2-40B4-BE49-F238E27FC236}">
-                <a16:creationId xmlns:a16="http://schemas.microsoft.com/office/drawing/2014/main" id="{42DC0A63-7E4A-4DB8-A036-831984D965D2}"/>
-              </a:ext>
-            </a:extLst>
-          </p:cNvPr>
-          <p:cNvSpPr>
-            <a:spLocks noGrp="1"/>
-          </p:cNvSpPr>
-          <p:nvPr>
-            <p:ph sz="quarter" idx="31"/>
-          </p:nvPr>
-        </p:nvSpPr>
-        <p:spPr/>
-        <p:txBody>
-          <a:bodyPr/>
-          <a:lstStyle/>
-          <a:p>
-            <a:endParaRPr lang="en-GB"/>
-          </a:p>
-        </p:txBody>
-      </p:sp>
-      <p:sp>
-        <p:nvSpPr>
-          <p:cNvPr id="23" name="Picture Placeholder 22">
-            <a:extLst>
-              <a:ext uri="{FF2B5EF4-FFF2-40B4-BE49-F238E27FC236}">
-                <a16:creationId xmlns:a16="http://schemas.microsoft.com/office/drawing/2014/main" id="{F2185B0B-A163-427E-B623-DB53D767E46A}"/>
-              </a:ext>
-            </a:extLst>
-          </p:cNvPr>
-          <p:cNvSpPr>
-            <a:spLocks noGrp="1"/>
-          </p:cNvSpPr>
-          <p:nvPr>
-            <p:ph type="pic" sz="quarter" idx="33"/>
-          </p:nvPr>
-        </p:nvSpPr>
-        <p:spPr/>
-      </p:sp>
-      <p:sp>
-        <p:nvSpPr>
-          <p:cNvPr id="24" name="Text Placeholder 23">
-            <a:extLst>
-              <a:ext uri="{FF2B5EF4-FFF2-40B4-BE49-F238E27FC236}">
-                <a16:creationId xmlns:a16="http://schemas.microsoft.com/office/drawing/2014/main" id="{72025521-D9B3-406A-81FA-ED22015DD72A}"/>
-              </a:ext>
-            </a:extLst>
-          </p:cNvPr>
-          <p:cNvSpPr>
-            <a:spLocks noGrp="1"/>
-          </p:cNvSpPr>
-          <p:nvPr>
-            <p:ph type="body" sz="quarter" idx="34"/>
-          </p:nvPr>
-        </p:nvSpPr>
-        <p:spPr>
-          <a:solidFill>
-            <a:schemeClr val="bg1">
-              <a:alpha val="1000"/>
-            </a:schemeClr>
-          </a:solidFill>
-        </p:spPr>
-        <p:txBody>
-          <a:bodyPr/>
-          <a:lstStyle/>
-          <a:p>
-            <a:endParaRPr lang="en-GB" dirty="0">
-              <a:solidFill>
-                <a:schemeClr val="accent1">
-                  <a:alpha val="0"/>
-                </a:schemeClr>
-              </a:solidFill>
-            </a:endParaRPr>
-          </a:p>
-        </p:txBody>
-      </p:sp>
-    </p:spTree>
-    <p:extLst>
-      <p:ext uri="{BB962C8B-B14F-4D97-AF65-F5344CB8AC3E}">
-        <p14:creationId xmlns:p14="http://schemas.microsoft.com/office/powerpoint/2010/main" val="3739695006"/>
-      </p:ext>
-    </p:extLst>
-  </p:cSld>
-  <p:clrMapOvr>
-    <a:masterClrMapping/>
-  </p:clrMapOvr>
-</p:sld>
-</file>
-
 <file path=ppt/theme/theme1.xml><?xml version="1.0" encoding="utf-8"?>
 <a:theme xmlns:a="http://schemas.openxmlformats.org/drawingml/2006/main" name="1_MASTER">
   <a:themeElements>
-    <a:clrScheme name="Custom 2">
+    <a:clrScheme name="Custom 5">
       <a:dk1>
         <a:srgbClr val="425254"/>
       </a:dk1>
@@ -6963,7 +6335,7 @@
         <a:srgbClr val="003D30"/>
       </a:accent6>
       <a:hlink>
-        <a:srgbClr val="FFFFFF"/>
+        <a:srgbClr val="D1D1D3"/>
       </a:hlink>
       <a:folHlink>
         <a:srgbClr val="D1D1D3"/>

--- a/static/template.pptx
+++ b/static/template.pptx
@@ -802,7 +802,7 @@
         </p:nvSpPr>
         <p:spPr>
           <a:xfrm>
-            <a:off x="3680674" y="1654538"/>
+            <a:off x="3667974" y="1654175"/>
             <a:ext cx="3985417" cy="4764087"/>
           </a:xfrm>
           <a:prstGeom prst="rect">
@@ -857,7 +857,7 @@
           <p:nvPr userDrawn="1">
             <p:extLst>
               <p:ext uri="{D42A27DB-BD31-4B8C-83A1-F6EECF244321}">
-                <p14:modId xmlns:p14="http://schemas.microsoft.com/office/powerpoint/2010/main" val="1485700146"/>
+                <p14:modId xmlns:p14="http://schemas.microsoft.com/office/powerpoint/2010/main" val="1484718854"/>
               </p:ext>
             </p:extLst>
           </p:nvPr>
@@ -4513,15 +4513,15 @@
         </p:nvSpPr>
         <p:spPr>
           <a:xfrm>
-            <a:off x="496888" y="1654175"/>
-            <a:ext cx="2460625" cy="860425"/>
+            <a:off x="496889" y="1654175"/>
+            <a:ext cx="2589212" cy="860425"/>
           </a:xfrm>
         </p:spPr>
         <p:txBody>
           <a:bodyPr/>
           <a:lstStyle>
             <a:lvl1pPr>
-              <a:defRPr>
+              <a:defRPr sz="2800">
                 <a:latin typeface="Calibre Semibold" panose="020B0703030202060203" pitchFamily="34" charset="0"/>
               </a:defRPr>
             </a:lvl1pPr>
@@ -4550,7 +4550,7 @@
         </p:nvSpPr>
         <p:spPr>
           <a:xfrm>
-            <a:off x="6464022" y="1923489"/>
+            <a:off x="6507152" y="1914863"/>
             <a:ext cx="647190" cy="164441"/>
           </a:xfrm>
         </p:spPr>
@@ -4588,7 +4588,7 @@
         </p:nvSpPr>
         <p:spPr>
           <a:xfrm>
-            <a:off x="6464022" y="2065561"/>
+            <a:off x="6507152" y="2065561"/>
             <a:ext cx="647190" cy="164441"/>
           </a:xfrm>
         </p:spPr>
@@ -4626,7 +4626,7 @@
         </p:nvSpPr>
         <p:spPr>
           <a:xfrm>
-            <a:off x="6464022" y="2216598"/>
+            <a:off x="6507152" y="2216598"/>
             <a:ext cx="647190" cy="164441"/>
           </a:xfrm>
         </p:spPr>
@@ -4664,7 +4664,7 @@
         </p:nvSpPr>
         <p:spPr>
           <a:xfrm>
-            <a:off x="6464022" y="2367634"/>
+            <a:off x="6507152" y="2367634"/>
             <a:ext cx="647190" cy="164441"/>
           </a:xfrm>
         </p:spPr>
@@ -4762,7 +4762,7 @@
         </p:nvSpPr>
         <p:spPr>
           <a:xfrm>
-            <a:off x="6749719" y="2501424"/>
+            <a:off x="6800519" y="2501424"/>
             <a:ext cx="647190" cy="164441"/>
           </a:xfrm>
         </p:spPr>
@@ -4800,7 +4800,7 @@
         </p:nvSpPr>
         <p:spPr>
           <a:xfrm>
-            <a:off x="6749719" y="3060322"/>
+            <a:off x="6806869" y="3060322"/>
             <a:ext cx="647190" cy="164441"/>
           </a:xfrm>
         </p:spPr>
@@ -4838,7 +4838,7 @@
         </p:nvSpPr>
         <p:spPr>
           <a:xfrm>
-            <a:off x="6749719" y="3182883"/>
+            <a:off x="6806869" y="3195583"/>
             <a:ext cx="647190" cy="164441"/>
           </a:xfrm>
         </p:spPr>
@@ -4876,7 +4876,7 @@
         </p:nvSpPr>
         <p:spPr>
           <a:xfrm>
-            <a:off x="6654009" y="3699347"/>
+            <a:off x="6679409" y="3718397"/>
             <a:ext cx="647190" cy="164441"/>
           </a:xfrm>
         </p:spPr>
@@ -4914,7 +4914,7 @@
         </p:nvSpPr>
         <p:spPr>
           <a:xfrm>
-            <a:off x="6323487" y="3869976"/>
+            <a:off x="6377462" y="3869976"/>
             <a:ext cx="647190" cy="164441"/>
           </a:xfrm>
         </p:spPr>
@@ -4952,7 +4952,7 @@
         </p:nvSpPr>
         <p:spPr>
           <a:xfrm>
-            <a:off x="6749719" y="4012048"/>
+            <a:off x="6803694" y="4015223"/>
             <a:ext cx="647190" cy="164441"/>
           </a:xfrm>
         </p:spPr>
@@ -4990,7 +4990,7 @@
         </p:nvSpPr>
         <p:spPr>
           <a:xfrm>
-            <a:off x="6749719" y="4146272"/>
+            <a:off x="6803694" y="4152622"/>
             <a:ext cx="647190" cy="164441"/>
           </a:xfrm>
         </p:spPr>
@@ -5028,7 +5028,7 @@
         </p:nvSpPr>
         <p:spPr>
           <a:xfrm>
-            <a:off x="6749719" y="4288344"/>
+            <a:off x="6803694" y="4294694"/>
             <a:ext cx="647190" cy="164441"/>
           </a:xfrm>
         </p:spPr>
@@ -5066,7 +5066,7 @@
         </p:nvSpPr>
         <p:spPr>
           <a:xfrm>
-            <a:off x="6749719" y="4442984"/>
+            <a:off x="6803694" y="4433459"/>
             <a:ext cx="647190" cy="164441"/>
           </a:xfrm>
         </p:spPr>
@@ -5104,7 +5104,7 @@
         </p:nvSpPr>
         <p:spPr>
           <a:xfrm>
-            <a:off x="5967364" y="4983867"/>
+            <a:off x="5951489" y="4996567"/>
             <a:ext cx="647190" cy="164441"/>
           </a:xfrm>
         </p:spPr>
@@ -5142,7 +5142,7 @@
         </p:nvSpPr>
         <p:spPr>
           <a:xfrm>
-            <a:off x="5967364" y="5135335"/>
+            <a:off x="5941964" y="5148035"/>
             <a:ext cx="647190" cy="164441"/>
           </a:xfrm>
         </p:spPr>
@@ -5180,7 +5180,7 @@
         </p:nvSpPr>
         <p:spPr>
           <a:xfrm>
-            <a:off x="5967364" y="5281132"/>
+            <a:off x="5941964" y="5300182"/>
             <a:ext cx="647190" cy="164441"/>
           </a:xfrm>
         </p:spPr>
@@ -5218,7 +5218,7 @@
         </p:nvSpPr>
         <p:spPr>
           <a:xfrm>
-            <a:off x="5967364" y="5435410"/>
+            <a:off x="6005464" y="5460810"/>
             <a:ext cx="647190" cy="164441"/>
           </a:xfrm>
         </p:spPr>
@@ -5256,7 +5256,7 @@
         </p:nvSpPr>
         <p:spPr>
           <a:xfrm>
-            <a:off x="3895393" y="5992486"/>
+            <a:off x="3895393" y="5986136"/>
             <a:ext cx="3688079" cy="425281"/>
           </a:xfrm>
         </p:spPr>
@@ -5350,6 +5350,62 @@
           </a:p>
         </p:txBody>
       </p:sp>
+      <p:pic>
+        <p:nvPicPr>
+          <p:cNvPr id="1026" name="Picture 2">
+            <a:extLst>
+              <a:ext uri="{FF2B5EF4-FFF2-40B4-BE49-F238E27FC236}">
+                <a16:creationId xmlns:a16="http://schemas.microsoft.com/office/drawing/2014/main" id="{2F47DCD3-0620-4FF3-89D6-D102BCA07BCA}"/>
+              </a:ext>
+            </a:extLst>
+          </p:cNvPr>
+          <p:cNvPicPr>
+            <a:picLocks noChangeAspect="1" noChangeArrowheads="1"/>
+          </p:cNvPicPr>
+          <p:nvPr userDrawn="1"/>
+        </p:nvPicPr>
+        <p:blipFill>
+          <a:blip r:embed="rId2">
+            <a:extLst>
+              <a:ext uri="{BEBA8EAE-BF5A-486C-A8C5-ECC9F3942E4B}">
+                <a14:imgProps xmlns:a14="http://schemas.microsoft.com/office/drawing/2010/main">
+                  <a14:imgLayer r:embed="rId3">
+                    <a14:imgEffect>
+                      <a14:saturation sat="0"/>
+                    </a14:imgEffect>
+                  </a14:imgLayer>
+                </a14:imgProps>
+              </a:ext>
+              <a:ext uri="{28A0092B-C50C-407E-A947-70E740481C1C}">
+                <a14:useLocalDpi xmlns:a14="http://schemas.microsoft.com/office/drawing/2010/main" val="0"/>
+              </a:ext>
+            </a:extLst>
+          </a:blip>
+          <a:srcRect/>
+          <a:stretch>
+            <a:fillRect/>
+          </a:stretch>
+        </p:blipFill>
+        <p:spPr bwMode="auto">
+          <a:xfrm>
+            <a:off x="10456863" y="534625"/>
+            <a:ext cx="1238250" cy="312465"/>
+          </a:xfrm>
+          <a:prstGeom prst="rect">
+            <a:avLst/>
+          </a:prstGeom>
+          <a:noFill/>
+          <a:extLst>
+            <a:ext uri="{909E8E84-426E-40DD-AFC4-6F175D3DCCD1}">
+              <a14:hiddenFill xmlns:a14="http://schemas.microsoft.com/office/drawing/2010/main">
+                <a:solidFill>
+                  <a:srgbClr val="FFFFFF"/>
+                </a:solidFill>
+              </a14:hiddenFill>
+            </a:ext>
+          </a:extLst>
+        </p:spPr>
+      </p:pic>
     </p:spTree>
     <p:extLst>
       <p:ext uri="{BB962C8B-B14F-4D97-AF65-F5344CB8AC3E}">

--- a/static/template.pptx
+++ b/static/template.pptx
@@ -205,7 +205,7 @@
   <pc:docChgLst>
     <pc:chgData name="Baaij, Timo @ EMEA Industrial and Logistics" userId="c6be1d08-92b0-4773-8bbb-b359de052d48" providerId="ADAL" clId="{750EAEA5-1AC8-48CD-B694-E2794A53DBE0}"/>
     <pc:docChg chg="undo custSel addSld delSld modSld modMainMaster">
-      <pc:chgData name="Baaij, Timo @ EMEA Industrial and Logistics" userId="c6be1d08-92b0-4773-8bbb-b359de052d48" providerId="ADAL" clId="{750EAEA5-1AC8-48CD-B694-E2794A53DBE0}" dt="2023-02-27T08:55:41.267" v="227" actId="20577"/>
+      <pc:chgData name="Baaij, Timo @ EMEA Industrial and Logistics" userId="c6be1d08-92b0-4773-8bbb-b359de052d48" providerId="ADAL" clId="{750EAEA5-1AC8-48CD-B694-E2794A53DBE0}" dt="2023-03-02T14:06:57.500" v="249" actId="20577"/>
       <pc:docMkLst>
         <pc:docMk/>
       </pc:docMkLst>
@@ -337,7 +337,7 @@
         </pc:graphicFrameChg>
       </pc:sldChg>
       <pc:sldChg chg="addSp delSp modSp new mod">
-        <pc:chgData name="Baaij, Timo @ EMEA Industrial and Logistics" userId="c6be1d08-92b0-4773-8bbb-b359de052d48" providerId="ADAL" clId="{750EAEA5-1AC8-48CD-B694-E2794A53DBE0}" dt="2023-02-27T08:55:41.267" v="227" actId="20577"/>
+        <pc:chgData name="Baaij, Timo @ EMEA Industrial and Logistics" userId="c6be1d08-92b0-4773-8bbb-b359de052d48" providerId="ADAL" clId="{750EAEA5-1AC8-48CD-B694-E2794A53DBE0}" dt="2023-03-02T14:06:40.124" v="232" actId="14100"/>
         <pc:sldMkLst>
           <pc:docMk/>
           <pc:sldMk cId="2924232435" sldId="2076137653"/>
@@ -414,8 +414,8 @@
             <ac:graphicFrameMk id="8" creationId="{93093ED9-F1AF-FFEB-5C34-BEFAA7B8CE4F}"/>
           </ac:graphicFrameMkLst>
         </pc:graphicFrameChg>
-        <pc:graphicFrameChg chg="add mod">
-          <ac:chgData name="Baaij, Timo @ EMEA Industrial and Logistics" userId="c6be1d08-92b0-4773-8bbb-b359de052d48" providerId="ADAL" clId="{750EAEA5-1AC8-48CD-B694-E2794A53DBE0}" dt="2023-02-24T15:42:47.472" v="139"/>
+        <pc:graphicFrameChg chg="add mod modGraphic">
+          <ac:chgData name="Baaij, Timo @ EMEA Industrial and Logistics" userId="c6be1d08-92b0-4773-8bbb-b359de052d48" providerId="ADAL" clId="{750EAEA5-1AC8-48CD-B694-E2794A53DBE0}" dt="2023-03-02T14:06:40.124" v="232" actId="14100"/>
           <ac:graphicFrameMkLst>
             <pc:docMk/>
             <pc:sldMk cId="2924232435" sldId="2076137653"/>
@@ -446,8 +446,8 @@
             <ac:graphicFrameMk id="12" creationId="{D5765617-E8F5-8C34-A3CA-03E5C6CEF846}"/>
           </ac:graphicFrameMkLst>
         </pc:graphicFrameChg>
-        <pc:graphicFrameChg chg="add mod">
-          <ac:chgData name="Baaij, Timo @ EMEA Industrial and Logistics" userId="c6be1d08-92b0-4773-8bbb-b359de052d48" providerId="ADAL" clId="{750EAEA5-1AC8-48CD-B694-E2794A53DBE0}" dt="2023-02-24T15:42:47.472" v="139"/>
+        <pc:graphicFrameChg chg="add mod modGraphic">
+          <ac:chgData name="Baaij, Timo @ EMEA Industrial and Logistics" userId="c6be1d08-92b0-4773-8bbb-b359de052d48" providerId="ADAL" clId="{750EAEA5-1AC8-48CD-B694-E2794A53DBE0}" dt="2023-03-02T14:06:29.053" v="230" actId="14100"/>
           <ac:graphicFrameMkLst>
             <pc:docMk/>
             <pc:sldMk cId="2924232435" sldId="2076137653"/>
@@ -488,13 +488,13 @@
         </pc:picChg>
       </pc:sldChg>
       <pc:sldMasterChg chg="modSldLayout">
-        <pc:chgData name="Baaij, Timo @ EMEA Industrial and Logistics" userId="c6be1d08-92b0-4773-8bbb-b359de052d48" providerId="ADAL" clId="{750EAEA5-1AC8-48CD-B694-E2794A53DBE0}" dt="2023-02-27T08:54:04.199" v="203" actId="1036"/>
+        <pc:chgData name="Baaij, Timo @ EMEA Industrial and Logistics" userId="c6be1d08-92b0-4773-8bbb-b359de052d48" providerId="ADAL" clId="{750EAEA5-1AC8-48CD-B694-E2794A53DBE0}" dt="2023-03-02T14:06:57.500" v="249" actId="20577"/>
         <pc:sldMasterMkLst>
           <pc:docMk/>
           <pc:sldMasterMk cId="2788975192" sldId="2147484607"/>
         </pc:sldMasterMkLst>
         <pc:sldLayoutChg chg="addSp delSp modSp mod">
-          <pc:chgData name="Baaij, Timo @ EMEA Industrial and Logistics" userId="c6be1d08-92b0-4773-8bbb-b359de052d48" providerId="ADAL" clId="{750EAEA5-1AC8-48CD-B694-E2794A53DBE0}" dt="2023-02-27T08:54:04.199" v="203" actId="1036"/>
+          <pc:chgData name="Baaij, Timo @ EMEA Industrial and Logistics" userId="c6be1d08-92b0-4773-8bbb-b359de052d48" providerId="ADAL" clId="{750EAEA5-1AC8-48CD-B694-E2794A53DBE0}" dt="2023-03-02T14:06:57.500" v="249" actId="20577"/>
           <pc:sldLayoutMkLst>
             <pc:docMk/>
             <pc:sldMasterMk cId="2788975192" sldId="2147484607"/>
@@ -599,6 +599,24 @@
               <ac:grpSpMk id="3" creationId="{0F9F3E70-8029-2C62-9CA2-751D2E0E0657}"/>
             </ac:grpSpMkLst>
           </pc:grpChg>
+          <pc:graphicFrameChg chg="modGraphic">
+            <ac:chgData name="Baaij, Timo @ EMEA Industrial and Logistics" userId="c6be1d08-92b0-4773-8bbb-b359de052d48" providerId="ADAL" clId="{750EAEA5-1AC8-48CD-B694-E2794A53DBE0}" dt="2023-03-02T14:06:57.500" v="249" actId="20577"/>
+            <ac:graphicFrameMkLst>
+              <pc:docMk/>
+              <pc:sldMasterMk cId="2788975192" sldId="2147484607"/>
+              <pc:sldLayoutMk cId="3815602106" sldId="2147484707"/>
+              <ac:graphicFrameMk id="13" creationId="{C86741D7-87EF-D0CB-CBCA-F6FF9EF1B29A}"/>
+            </ac:graphicFrameMkLst>
+          </pc:graphicFrameChg>
+          <pc:graphicFrameChg chg="modGraphic">
+            <ac:chgData name="Baaij, Timo @ EMEA Industrial and Logistics" userId="c6be1d08-92b0-4773-8bbb-b359de052d48" providerId="ADAL" clId="{750EAEA5-1AC8-48CD-B694-E2794A53DBE0}" dt="2023-03-02T14:06:50.672" v="237" actId="20577"/>
+            <ac:graphicFrameMkLst>
+              <pc:docMk/>
+              <pc:sldMasterMk cId="2788975192" sldId="2147484607"/>
+              <pc:sldLayoutMk cId="3815602106" sldId="2147484707"/>
+              <ac:graphicFrameMk id="33" creationId="{3A58651F-C506-D1B3-9601-9EAA6FBA15B3}"/>
+            </ac:graphicFrameMkLst>
+          </pc:graphicFrameChg>
           <pc:picChg chg="add mod">
             <ac:chgData name="Baaij, Timo @ EMEA Industrial and Logistics" userId="c6be1d08-92b0-4773-8bbb-b359de052d48" providerId="ADAL" clId="{750EAEA5-1AC8-48CD-B694-E2794A53DBE0}" dt="2023-02-27T08:45:49.981" v="167" actId="1076"/>
             <ac:picMkLst>
@@ -697,7 +715,7 @@
           <a:p>
             <a:fld id="{46C33258-B648-46A0-96A6-C79DBC6F94BB}" type="datetimeFigureOut">
               <a:rPr lang="en-GB" smtClean="0"/>
-              <a:t>27/02/2023</a:t>
+              <a:t>02/03/2023</a:t>
             </a:fld>
             <a:endParaRPr lang="en-GB"/>
           </a:p>
@@ -1333,7 +1351,13 @@
           <p:cNvGraphicFramePr>
             <a:graphicFrameLocks noGrp="1"/>
           </p:cNvGraphicFramePr>
-          <p:nvPr userDrawn="1"/>
+          <p:nvPr userDrawn="1">
+            <p:extLst>
+              <p:ext uri="{D42A27DB-BD31-4B8C-83A1-F6EECF244321}">
+                <p14:modId xmlns:p14="http://schemas.microsoft.com/office/powerpoint/2010/main" val="2599298913"/>
+              </p:ext>
+            </p:extLst>
+          </p:nvPr>
         </p:nvGraphicFramePr>
         <p:xfrm>
           <a:off x="458837" y="4753281"/>
@@ -1378,7 +1402,7 @@
                           </a:solidFill>
                           <a:latin typeface="+mj-lt"/>
                         </a:rPr>
-                        <a:t>Units</a:t>
+                        <a:t>Rental Price</a:t>
                       </a:r>
                     </a:p>
                   </a:txBody>
@@ -1997,7 +2021,13 @@
           <p:cNvGraphicFramePr>
             <a:graphicFrameLocks noGrp="1"/>
           </p:cNvGraphicFramePr>
-          <p:nvPr userDrawn="1"/>
+          <p:nvPr userDrawn="1">
+            <p:extLst>
+              <p:ext uri="{D42A27DB-BD31-4B8C-83A1-F6EECF244321}">
+                <p14:modId xmlns:p14="http://schemas.microsoft.com/office/powerpoint/2010/main" val="2929088673"/>
+              </p:ext>
+            </p:extLst>
+          </p:nvPr>
         </p:nvGraphicFramePr>
         <p:xfrm>
           <a:off x="3712189" y="4751593"/>
@@ -2042,7 +2072,7 @@
                           </a:solidFill>
                           <a:latin typeface="+mj-lt"/>
                         </a:rPr>
-                        <a:t>Rental price</a:t>
+                        <a:t>UNITS</a:t>
                       </a:r>
                     </a:p>
                   </a:txBody>
@@ -7956,11 +7986,17 @@
           <p:cNvGraphicFramePr>
             <a:graphicFrameLocks noGrp="1"/>
           </p:cNvGraphicFramePr>
-          <p:nvPr/>
+          <p:nvPr>
+            <p:extLst>
+              <p:ext uri="{D42A27DB-BD31-4B8C-83A1-F6EECF244321}">
+                <p14:modId xmlns:p14="http://schemas.microsoft.com/office/powerpoint/2010/main" val="1982962833"/>
+              </p:ext>
+            </p:extLst>
+          </p:nvPr>
         </p:nvGraphicFramePr>
         <p:xfrm>
-          <a:off x="456320" y="5015133"/>
-          <a:ext cx="3114408" cy="872835"/>
+          <a:off x="3719238" y="5013444"/>
+          <a:ext cx="3203432" cy="872835"/>
         </p:xfrm>
         <a:graphic>
           <a:graphicData uri="http://schemas.openxmlformats.org/drawingml/2006/table">
@@ -7969,28 +8005,28 @@
                 <a:tableStyleId>{5C22544A-7EE6-4342-B048-85BDC9FD1C3A}</a:tableStyleId>
               </a:tblPr>
               <a:tblGrid>
-                <a:gridCol w="778602">
+                <a:gridCol w="800858">
                   <a:extLst>
                     <a:ext uri="{9D8B030D-6E8A-4147-A177-3AD203B41FA5}">
                       <a16:colId xmlns:a16="http://schemas.microsoft.com/office/drawing/2014/main" val="3464923300"/>
                     </a:ext>
                   </a:extLst>
                 </a:gridCol>
-                <a:gridCol w="778602">
+                <a:gridCol w="800858">
                   <a:extLst>
                     <a:ext uri="{9D8B030D-6E8A-4147-A177-3AD203B41FA5}">
                       <a16:colId xmlns:a16="http://schemas.microsoft.com/office/drawing/2014/main" val="2792109497"/>
                     </a:ext>
                   </a:extLst>
                 </a:gridCol>
-                <a:gridCol w="778602">
+                <a:gridCol w="800858">
                   <a:extLst>
                     <a:ext uri="{9D8B030D-6E8A-4147-A177-3AD203B41FA5}">
                       <a16:colId xmlns:a16="http://schemas.microsoft.com/office/drawing/2014/main" val="1753394905"/>
                     </a:ext>
                   </a:extLst>
                 </a:gridCol>
-                <a:gridCol w="778602">
+                <a:gridCol w="800858">
                   <a:extLst>
                     <a:ext uri="{9D8B030D-6E8A-4147-A177-3AD203B41FA5}">
                       <a16:colId xmlns:a16="http://schemas.microsoft.com/office/drawing/2014/main" val="3319013492"/>
@@ -9211,7 +9247,7 @@
                         <a:defRPr/>
                       </a:pPr>
                       <a:r>
-                        <a:rPr kumimoji="0" lang="en-US" sz="800" b="0" i="0" u="none" strike="noStrike" kern="1200" cap="none" spc="0" normalizeH="0" baseline="0" noProof="0">
+                        <a:rPr kumimoji="0" lang="en-US" sz="800" b="0" i="0" u="none" strike="noStrike" kern="1200" cap="none" spc="0" normalizeH="0" baseline="0" noProof="0" dirty="0">
                           <a:ln>
                             <a:noFill/>
                           </a:ln>
@@ -9227,20 +9263,6 @@
                         </a:rPr>
                         <a:t>102 sq. m.</a:t>
                       </a:r>
-                      <a:endParaRPr kumimoji="0" lang="en-US" sz="800" b="0" i="0" u="none" strike="noStrike" kern="1200" cap="none" spc="0" normalizeH="0" baseline="0" noProof="0" dirty="0">
-                        <a:ln>
-                          <a:noFill/>
-                        </a:ln>
-                        <a:solidFill>
-                          <a:srgbClr val="262626"/>
-                        </a:solidFill>
-                        <a:effectLst/>
-                        <a:uLnTx/>
-                        <a:uFillTx/>
-                        <a:latin typeface="Calibre"/>
-                        <a:ea typeface="+mn-ea"/>
-                        <a:cs typeface="+mn-cs"/>
-                      </a:endParaRPr>
                     </a:p>
                   </a:txBody>
                   <a:tcPr marL="24938" marR="0" marT="24938" marB="24938" anchor="ctr">
@@ -10462,14 +10484,14 @@
           <p:nvPr>
             <p:extLst>
               <p:ext uri="{D42A27DB-BD31-4B8C-83A1-F6EECF244321}">
-                <p14:modId xmlns:p14="http://schemas.microsoft.com/office/powerpoint/2010/main" val="1660532021"/>
+                <p14:modId xmlns:p14="http://schemas.microsoft.com/office/powerpoint/2010/main" val="2968103964"/>
               </p:ext>
             </p:extLst>
           </p:nvPr>
         </p:nvGraphicFramePr>
         <p:xfrm>
-          <a:off x="3714707" y="5013444"/>
-          <a:ext cx="3207962" cy="872835"/>
+          <a:off x="456317" y="5013444"/>
+          <a:ext cx="3114408" cy="872835"/>
         </p:xfrm>
         <a:graphic>
           <a:graphicData uri="http://schemas.openxmlformats.org/drawingml/2006/table">
@@ -10478,14 +10500,14 @@
                 <a:tableStyleId>{5C22544A-7EE6-4342-B048-85BDC9FD1C3A}</a:tableStyleId>
               </a:tblPr>
               <a:tblGrid>
-                <a:gridCol w="1603981">
+                <a:gridCol w="1557204">
                   <a:extLst>
                     <a:ext uri="{9D8B030D-6E8A-4147-A177-3AD203B41FA5}">
                       <a16:colId xmlns:a16="http://schemas.microsoft.com/office/drawing/2014/main" val="3464923300"/>
                     </a:ext>
                   </a:extLst>
                 </a:gridCol>
-                <a:gridCol w="1603981">
+                <a:gridCol w="1557204">
                   <a:extLst>
                     <a:ext uri="{9D8B030D-6E8A-4147-A177-3AD203B41FA5}">
                       <a16:colId xmlns:a16="http://schemas.microsoft.com/office/drawing/2014/main" val="3319013492"/>
